--- a/Defensa/Proyecto app Anizeno.pptx
+++ b/Defensa/Proyecto app Anizeno.pptx
@@ -121,6 +121,2974 @@
 </p:presentation>
 </file>
 
+<file path=ppt/diagrams/colors1.xml><?xml version="1.0" encoding="utf-8"?>
+<dgm:colorsDef xmlns:dgm="http://schemas.openxmlformats.org/drawingml/2006/diagram" xmlns:a="http://schemas.openxmlformats.org/drawingml/2006/main" uniqueId="urn:microsoft.com/office/officeart/2005/8/colors/accent1_2">
+  <dgm:title val=""/>
+  <dgm:desc val=""/>
+  <dgm:catLst>
+    <dgm:cat type="accent1" pri="11200"/>
+  </dgm:catLst>
+  <dgm:styleLbl name="node0">
+    <dgm:fillClrLst meth="repeat">
+      <a:schemeClr val="accent1"/>
+    </dgm:fillClrLst>
+    <dgm:linClrLst meth="repeat">
+      <a:schemeClr val="lt1"/>
+    </dgm:linClrLst>
+    <dgm:effectClrLst/>
+    <dgm:txLinClrLst/>
+    <dgm:txFillClrLst/>
+    <dgm:txEffectClrLst/>
+  </dgm:styleLbl>
+  <dgm:styleLbl name="alignNode1">
+    <dgm:fillClrLst meth="repeat">
+      <a:schemeClr val="accent1"/>
+    </dgm:fillClrLst>
+    <dgm:linClrLst meth="repeat">
+      <a:schemeClr val="accent1"/>
+    </dgm:linClrLst>
+    <dgm:effectClrLst/>
+    <dgm:txLinClrLst/>
+    <dgm:txFillClrLst/>
+    <dgm:txEffectClrLst/>
+  </dgm:styleLbl>
+  <dgm:styleLbl name="node1">
+    <dgm:fillClrLst meth="repeat">
+      <a:schemeClr val="accent1"/>
+    </dgm:fillClrLst>
+    <dgm:linClrLst meth="repeat">
+      <a:schemeClr val="lt1"/>
+    </dgm:linClrLst>
+    <dgm:effectClrLst/>
+    <dgm:txLinClrLst/>
+    <dgm:txFillClrLst/>
+    <dgm:txEffectClrLst/>
+  </dgm:styleLbl>
+  <dgm:styleLbl name="lnNode1">
+    <dgm:fillClrLst meth="repeat">
+      <a:schemeClr val="accent1"/>
+    </dgm:fillClrLst>
+    <dgm:linClrLst meth="repeat">
+      <a:schemeClr val="lt1"/>
+    </dgm:linClrLst>
+    <dgm:effectClrLst/>
+    <dgm:txLinClrLst/>
+    <dgm:txFillClrLst/>
+    <dgm:txEffectClrLst/>
+  </dgm:styleLbl>
+  <dgm:styleLbl name="vennNode1">
+    <dgm:fillClrLst meth="repeat">
+      <a:schemeClr val="accent1">
+        <a:alpha val="50000"/>
+      </a:schemeClr>
+    </dgm:fillClrLst>
+    <dgm:linClrLst meth="repeat">
+      <a:schemeClr val="lt1"/>
+    </dgm:linClrLst>
+    <dgm:effectClrLst/>
+    <dgm:txLinClrLst/>
+    <dgm:txFillClrLst/>
+    <dgm:txEffectClrLst/>
+  </dgm:styleLbl>
+  <dgm:styleLbl name="node2">
+    <dgm:fillClrLst meth="repeat">
+      <a:schemeClr val="accent1"/>
+    </dgm:fillClrLst>
+    <dgm:linClrLst meth="repeat">
+      <a:schemeClr val="lt1"/>
+    </dgm:linClrLst>
+    <dgm:effectClrLst/>
+    <dgm:txLinClrLst/>
+    <dgm:txFillClrLst/>
+    <dgm:txEffectClrLst/>
+  </dgm:styleLbl>
+  <dgm:styleLbl name="node3">
+    <dgm:fillClrLst meth="repeat">
+      <a:schemeClr val="accent1"/>
+    </dgm:fillClrLst>
+    <dgm:linClrLst meth="repeat">
+      <a:schemeClr val="lt1"/>
+    </dgm:linClrLst>
+    <dgm:effectClrLst/>
+    <dgm:txLinClrLst/>
+    <dgm:txFillClrLst/>
+    <dgm:txEffectClrLst/>
+  </dgm:styleLbl>
+  <dgm:styleLbl name="node4">
+    <dgm:fillClrLst meth="repeat">
+      <a:schemeClr val="accent1"/>
+    </dgm:fillClrLst>
+    <dgm:linClrLst meth="repeat">
+      <a:schemeClr val="lt1"/>
+    </dgm:linClrLst>
+    <dgm:effectClrLst/>
+    <dgm:txLinClrLst/>
+    <dgm:txFillClrLst/>
+    <dgm:txEffectClrLst/>
+  </dgm:styleLbl>
+  <dgm:styleLbl name="fgImgPlace1">
+    <dgm:fillClrLst meth="repeat">
+      <a:schemeClr val="accent1">
+        <a:tint val="50000"/>
+      </a:schemeClr>
+    </dgm:fillClrLst>
+    <dgm:linClrLst meth="repeat">
+      <a:schemeClr val="lt1"/>
+    </dgm:linClrLst>
+    <dgm:effectClrLst/>
+    <dgm:txLinClrLst/>
+    <dgm:txFillClrLst meth="repeat">
+      <a:schemeClr val="lt1"/>
+    </dgm:txFillClrLst>
+    <dgm:txEffectClrLst/>
+  </dgm:styleLbl>
+  <dgm:styleLbl name="alignImgPlace1">
+    <dgm:fillClrLst meth="repeat">
+      <a:schemeClr val="accent1">
+        <a:tint val="50000"/>
+      </a:schemeClr>
+    </dgm:fillClrLst>
+    <dgm:linClrLst meth="repeat">
+      <a:schemeClr val="lt1"/>
+    </dgm:linClrLst>
+    <dgm:effectClrLst/>
+    <dgm:txLinClrLst/>
+    <dgm:txFillClrLst meth="repeat">
+      <a:schemeClr val="lt1"/>
+    </dgm:txFillClrLst>
+    <dgm:txEffectClrLst/>
+  </dgm:styleLbl>
+  <dgm:styleLbl name="bgImgPlace1">
+    <dgm:fillClrLst meth="repeat">
+      <a:schemeClr val="accent1">
+        <a:tint val="50000"/>
+      </a:schemeClr>
+    </dgm:fillClrLst>
+    <dgm:linClrLst meth="repeat">
+      <a:schemeClr val="lt1"/>
+    </dgm:linClrLst>
+    <dgm:effectClrLst/>
+    <dgm:txLinClrLst/>
+    <dgm:txFillClrLst meth="repeat">
+      <a:schemeClr val="lt1"/>
+    </dgm:txFillClrLst>
+    <dgm:txEffectClrLst/>
+  </dgm:styleLbl>
+  <dgm:styleLbl name="sibTrans2D1">
+    <dgm:fillClrLst meth="repeat">
+      <a:schemeClr val="accent1">
+        <a:tint val="60000"/>
+      </a:schemeClr>
+    </dgm:fillClrLst>
+    <dgm:linClrLst meth="repeat">
+      <a:schemeClr val="accent1">
+        <a:tint val="60000"/>
+      </a:schemeClr>
+    </dgm:linClrLst>
+    <dgm:effectClrLst/>
+    <dgm:txLinClrLst/>
+    <dgm:txFillClrLst/>
+    <dgm:txEffectClrLst/>
+  </dgm:styleLbl>
+  <dgm:styleLbl name="fgSibTrans2D1">
+    <dgm:fillClrLst meth="repeat">
+      <a:schemeClr val="accent1">
+        <a:tint val="60000"/>
+      </a:schemeClr>
+    </dgm:fillClrLst>
+    <dgm:linClrLst meth="repeat">
+      <a:schemeClr val="accent1">
+        <a:tint val="60000"/>
+      </a:schemeClr>
+    </dgm:linClrLst>
+    <dgm:effectClrLst/>
+    <dgm:txLinClrLst/>
+    <dgm:txFillClrLst/>
+    <dgm:txEffectClrLst/>
+  </dgm:styleLbl>
+  <dgm:styleLbl name="bgSibTrans2D1">
+    <dgm:fillClrLst meth="repeat">
+      <a:schemeClr val="accent1">
+        <a:tint val="60000"/>
+      </a:schemeClr>
+    </dgm:fillClrLst>
+    <dgm:linClrLst meth="repeat">
+      <a:schemeClr val="accent1">
+        <a:tint val="60000"/>
+      </a:schemeClr>
+    </dgm:linClrLst>
+    <dgm:effectClrLst/>
+    <dgm:txLinClrLst/>
+    <dgm:txFillClrLst/>
+    <dgm:txEffectClrLst/>
+  </dgm:styleLbl>
+  <dgm:styleLbl name="sibTrans1D1">
+    <dgm:fillClrLst meth="repeat">
+      <a:schemeClr val="accent1"/>
+    </dgm:fillClrLst>
+    <dgm:linClrLst meth="repeat">
+      <a:schemeClr val="accent1"/>
+    </dgm:linClrLst>
+    <dgm:effectClrLst/>
+    <dgm:txLinClrLst/>
+    <dgm:txFillClrLst meth="repeat">
+      <a:schemeClr val="tx1"/>
+    </dgm:txFillClrLst>
+    <dgm:txEffectClrLst/>
+  </dgm:styleLbl>
+  <dgm:styleLbl name="callout">
+    <dgm:fillClrLst meth="repeat">
+      <a:schemeClr val="accent1"/>
+    </dgm:fillClrLst>
+    <dgm:linClrLst meth="repeat">
+      <a:schemeClr val="accent1">
+        <a:tint val="50000"/>
+      </a:schemeClr>
+    </dgm:linClrLst>
+    <dgm:effectClrLst/>
+    <dgm:txLinClrLst/>
+    <dgm:txFillClrLst meth="repeat">
+      <a:schemeClr val="tx1"/>
+    </dgm:txFillClrLst>
+    <dgm:txEffectClrLst/>
+  </dgm:styleLbl>
+  <dgm:styleLbl name="asst0">
+    <dgm:fillClrLst meth="repeat">
+      <a:schemeClr val="accent1"/>
+    </dgm:fillClrLst>
+    <dgm:linClrLst meth="repeat">
+      <a:schemeClr val="lt1"/>
+    </dgm:linClrLst>
+    <dgm:effectClrLst/>
+    <dgm:txLinClrLst/>
+    <dgm:txFillClrLst/>
+    <dgm:txEffectClrLst/>
+  </dgm:styleLbl>
+  <dgm:styleLbl name="asst1">
+    <dgm:fillClrLst meth="repeat">
+      <a:schemeClr val="accent1"/>
+    </dgm:fillClrLst>
+    <dgm:linClrLst meth="repeat">
+      <a:schemeClr val="lt1"/>
+    </dgm:linClrLst>
+    <dgm:effectClrLst/>
+    <dgm:txLinClrLst/>
+    <dgm:txFillClrLst/>
+    <dgm:txEffectClrLst/>
+  </dgm:styleLbl>
+  <dgm:styleLbl name="asst2">
+    <dgm:fillClrLst meth="repeat">
+      <a:schemeClr val="accent1"/>
+    </dgm:fillClrLst>
+    <dgm:linClrLst meth="repeat">
+      <a:schemeClr val="lt1"/>
+    </dgm:linClrLst>
+    <dgm:effectClrLst/>
+    <dgm:txLinClrLst/>
+    <dgm:txFillClrLst/>
+    <dgm:txEffectClrLst/>
+  </dgm:styleLbl>
+  <dgm:styleLbl name="asst3">
+    <dgm:fillClrLst meth="repeat">
+      <a:schemeClr val="accent1"/>
+    </dgm:fillClrLst>
+    <dgm:linClrLst meth="repeat">
+      <a:schemeClr val="lt1"/>
+    </dgm:linClrLst>
+    <dgm:effectClrLst/>
+    <dgm:txLinClrLst/>
+    <dgm:txFillClrLst/>
+    <dgm:txEffectClrLst/>
+  </dgm:styleLbl>
+  <dgm:styleLbl name="asst4">
+    <dgm:fillClrLst meth="repeat">
+      <a:schemeClr val="accent1"/>
+    </dgm:fillClrLst>
+    <dgm:linClrLst meth="repeat">
+      <a:schemeClr val="lt1"/>
+    </dgm:linClrLst>
+    <dgm:effectClrLst/>
+    <dgm:txLinClrLst/>
+    <dgm:txFillClrLst/>
+    <dgm:txEffectClrLst/>
+  </dgm:styleLbl>
+  <dgm:styleLbl name="parChTrans2D1">
+    <dgm:fillClrLst meth="repeat">
+      <a:schemeClr val="accent1">
+        <a:tint val="60000"/>
+      </a:schemeClr>
+    </dgm:fillClrLst>
+    <dgm:linClrLst meth="repeat">
+      <a:schemeClr val="accent1">
+        <a:tint val="60000"/>
+      </a:schemeClr>
+    </dgm:linClrLst>
+    <dgm:effectClrLst/>
+    <dgm:txLinClrLst/>
+    <dgm:txFillClrLst meth="repeat">
+      <a:schemeClr val="lt1"/>
+    </dgm:txFillClrLst>
+    <dgm:txEffectClrLst/>
+  </dgm:styleLbl>
+  <dgm:styleLbl name="parChTrans2D2">
+    <dgm:fillClrLst meth="repeat">
+      <a:schemeClr val="accent1"/>
+    </dgm:fillClrLst>
+    <dgm:linClrLst meth="repeat">
+      <a:schemeClr val="accent1"/>
+    </dgm:linClrLst>
+    <dgm:effectClrLst/>
+    <dgm:txLinClrLst/>
+    <dgm:txFillClrLst meth="repeat">
+      <a:schemeClr val="lt1"/>
+    </dgm:txFillClrLst>
+    <dgm:txEffectClrLst/>
+  </dgm:styleLbl>
+  <dgm:styleLbl name="parChTrans2D3">
+    <dgm:fillClrLst meth="repeat">
+      <a:schemeClr val="accent1"/>
+    </dgm:fillClrLst>
+    <dgm:linClrLst meth="repeat">
+      <a:schemeClr val="accent1"/>
+    </dgm:linClrLst>
+    <dgm:effectClrLst/>
+    <dgm:txLinClrLst/>
+    <dgm:txFillClrLst meth="repeat">
+      <a:schemeClr val="lt1"/>
+    </dgm:txFillClrLst>
+    <dgm:txEffectClrLst/>
+  </dgm:styleLbl>
+  <dgm:styleLbl name="parChTrans2D4">
+    <dgm:fillClrLst meth="repeat">
+      <a:schemeClr val="accent1"/>
+    </dgm:fillClrLst>
+    <dgm:linClrLst meth="repeat">
+      <a:schemeClr val="accent1"/>
+    </dgm:linClrLst>
+    <dgm:effectClrLst/>
+    <dgm:txLinClrLst/>
+    <dgm:txFillClrLst meth="repeat">
+      <a:schemeClr val="lt1"/>
+    </dgm:txFillClrLst>
+    <dgm:txEffectClrLst/>
+  </dgm:styleLbl>
+  <dgm:styleLbl name="parChTrans1D1">
+    <dgm:fillClrLst meth="repeat">
+      <a:schemeClr val="accent1"/>
+    </dgm:fillClrLst>
+    <dgm:linClrLst meth="repeat">
+      <a:schemeClr val="accent1">
+        <a:shade val="60000"/>
+      </a:schemeClr>
+    </dgm:linClrLst>
+    <dgm:effectClrLst/>
+    <dgm:txLinClrLst/>
+    <dgm:txFillClrLst meth="repeat">
+      <a:schemeClr val="tx1"/>
+    </dgm:txFillClrLst>
+    <dgm:txEffectClrLst/>
+  </dgm:styleLbl>
+  <dgm:styleLbl name="parChTrans1D2">
+    <dgm:fillClrLst meth="repeat">
+      <a:schemeClr val="accent1"/>
+    </dgm:fillClrLst>
+    <dgm:linClrLst meth="repeat">
+      <a:schemeClr val="accent1">
+        <a:shade val="60000"/>
+      </a:schemeClr>
+    </dgm:linClrLst>
+    <dgm:effectClrLst/>
+    <dgm:txLinClrLst/>
+    <dgm:txFillClrLst meth="repeat">
+      <a:schemeClr val="tx1"/>
+    </dgm:txFillClrLst>
+    <dgm:txEffectClrLst/>
+  </dgm:styleLbl>
+  <dgm:styleLbl name="parChTrans1D3">
+    <dgm:fillClrLst meth="repeat">
+      <a:schemeClr val="accent1"/>
+    </dgm:fillClrLst>
+    <dgm:linClrLst meth="repeat">
+      <a:schemeClr val="accent1">
+        <a:shade val="80000"/>
+      </a:schemeClr>
+    </dgm:linClrLst>
+    <dgm:effectClrLst/>
+    <dgm:txLinClrLst/>
+    <dgm:txFillClrLst meth="repeat">
+      <a:schemeClr val="tx1"/>
+    </dgm:txFillClrLst>
+    <dgm:txEffectClrLst/>
+  </dgm:styleLbl>
+  <dgm:styleLbl name="parChTrans1D4">
+    <dgm:fillClrLst meth="repeat">
+      <a:schemeClr val="accent1"/>
+    </dgm:fillClrLst>
+    <dgm:linClrLst meth="repeat">
+      <a:schemeClr val="accent1">
+        <a:shade val="80000"/>
+      </a:schemeClr>
+    </dgm:linClrLst>
+    <dgm:effectClrLst/>
+    <dgm:txLinClrLst/>
+    <dgm:txFillClrLst meth="repeat">
+      <a:schemeClr val="tx1"/>
+    </dgm:txFillClrLst>
+    <dgm:txEffectClrLst/>
+  </dgm:styleLbl>
+  <dgm:styleLbl name="fgAcc1">
+    <dgm:fillClrLst meth="repeat">
+      <a:schemeClr val="lt1">
+        <a:alpha val="90000"/>
+      </a:schemeClr>
+    </dgm:fillClrLst>
+    <dgm:linClrLst meth="repeat">
+      <a:schemeClr val="accent1"/>
+    </dgm:linClrLst>
+    <dgm:effectClrLst/>
+    <dgm:txLinClrLst/>
+    <dgm:txFillClrLst meth="repeat">
+      <a:schemeClr val="dk1"/>
+    </dgm:txFillClrLst>
+    <dgm:txEffectClrLst/>
+  </dgm:styleLbl>
+  <dgm:styleLbl name="conFgAcc1">
+    <dgm:fillClrLst meth="repeat">
+      <a:schemeClr val="lt1">
+        <a:alpha val="90000"/>
+      </a:schemeClr>
+    </dgm:fillClrLst>
+    <dgm:linClrLst meth="repeat">
+      <a:schemeClr val="accent1"/>
+    </dgm:linClrLst>
+    <dgm:effectClrLst/>
+    <dgm:txLinClrLst/>
+    <dgm:txFillClrLst meth="repeat">
+      <a:schemeClr val="dk1"/>
+    </dgm:txFillClrLst>
+    <dgm:txEffectClrLst/>
+  </dgm:styleLbl>
+  <dgm:styleLbl name="alignAcc1">
+    <dgm:fillClrLst meth="repeat">
+      <a:schemeClr val="lt1">
+        <a:alpha val="90000"/>
+      </a:schemeClr>
+    </dgm:fillClrLst>
+    <dgm:linClrLst meth="repeat">
+      <a:schemeClr val="accent1"/>
+    </dgm:linClrLst>
+    <dgm:effectClrLst/>
+    <dgm:txLinClrLst/>
+    <dgm:txFillClrLst meth="repeat">
+      <a:schemeClr val="dk1"/>
+    </dgm:txFillClrLst>
+    <dgm:txEffectClrLst/>
+  </dgm:styleLbl>
+  <dgm:styleLbl name="trAlignAcc1">
+    <dgm:fillClrLst meth="repeat">
+      <a:schemeClr val="lt1">
+        <a:alpha val="40000"/>
+      </a:schemeClr>
+    </dgm:fillClrLst>
+    <dgm:linClrLst meth="repeat">
+      <a:schemeClr val="accent1"/>
+    </dgm:linClrLst>
+    <dgm:effectClrLst/>
+    <dgm:txLinClrLst/>
+    <dgm:txFillClrLst meth="repeat">
+      <a:schemeClr val="dk1"/>
+    </dgm:txFillClrLst>
+    <dgm:txEffectClrLst/>
+  </dgm:styleLbl>
+  <dgm:styleLbl name="bgAcc1">
+    <dgm:fillClrLst meth="repeat">
+      <a:schemeClr val="lt1">
+        <a:alpha val="90000"/>
+      </a:schemeClr>
+    </dgm:fillClrLst>
+    <dgm:linClrLst meth="repeat">
+      <a:schemeClr val="accent1"/>
+    </dgm:linClrLst>
+    <dgm:effectClrLst/>
+    <dgm:txLinClrLst/>
+    <dgm:txFillClrLst meth="repeat">
+      <a:schemeClr val="dk1"/>
+    </dgm:txFillClrLst>
+    <dgm:txEffectClrLst/>
+  </dgm:styleLbl>
+  <dgm:styleLbl name="solidFgAcc1">
+    <dgm:fillClrLst meth="repeat">
+      <a:schemeClr val="lt1"/>
+    </dgm:fillClrLst>
+    <dgm:linClrLst meth="repeat">
+      <a:schemeClr val="accent1"/>
+    </dgm:linClrLst>
+    <dgm:effectClrLst/>
+    <dgm:txLinClrLst/>
+    <dgm:txFillClrLst meth="repeat">
+      <a:schemeClr val="dk1"/>
+    </dgm:txFillClrLst>
+    <dgm:txEffectClrLst/>
+  </dgm:styleLbl>
+  <dgm:styleLbl name="solidAlignAcc1">
+    <dgm:fillClrLst meth="repeat">
+      <a:schemeClr val="lt1"/>
+    </dgm:fillClrLst>
+    <dgm:linClrLst meth="repeat">
+      <a:schemeClr val="accent1"/>
+    </dgm:linClrLst>
+    <dgm:effectClrLst/>
+    <dgm:txLinClrLst/>
+    <dgm:txFillClrLst meth="repeat">
+      <a:schemeClr val="dk1"/>
+    </dgm:txFillClrLst>
+    <dgm:txEffectClrLst/>
+  </dgm:styleLbl>
+  <dgm:styleLbl name="solidBgAcc1">
+    <dgm:fillClrLst meth="repeat">
+      <a:schemeClr val="lt1"/>
+    </dgm:fillClrLst>
+    <dgm:linClrLst meth="repeat">
+      <a:schemeClr val="accent1"/>
+    </dgm:linClrLst>
+    <dgm:effectClrLst/>
+    <dgm:txLinClrLst/>
+    <dgm:txFillClrLst meth="repeat">
+      <a:schemeClr val="dk1"/>
+    </dgm:txFillClrLst>
+    <dgm:txEffectClrLst/>
+  </dgm:styleLbl>
+  <dgm:styleLbl name="fgAccFollowNode1">
+    <dgm:fillClrLst meth="repeat">
+      <a:schemeClr val="accent1">
+        <a:alpha val="90000"/>
+        <a:tint val="40000"/>
+      </a:schemeClr>
+    </dgm:fillClrLst>
+    <dgm:linClrLst meth="repeat">
+      <a:schemeClr val="accent1">
+        <a:alpha val="90000"/>
+        <a:tint val="40000"/>
+      </a:schemeClr>
+    </dgm:linClrLst>
+    <dgm:effectClrLst/>
+    <dgm:txLinClrLst/>
+    <dgm:txFillClrLst meth="repeat">
+      <a:schemeClr val="dk1"/>
+    </dgm:txFillClrLst>
+    <dgm:txEffectClrLst/>
+  </dgm:styleLbl>
+  <dgm:styleLbl name="alignAccFollowNode1">
+    <dgm:fillClrLst meth="repeat">
+      <a:schemeClr val="accent1">
+        <a:alpha val="90000"/>
+        <a:tint val="40000"/>
+      </a:schemeClr>
+    </dgm:fillClrLst>
+    <dgm:linClrLst meth="repeat">
+      <a:schemeClr val="accent1">
+        <a:alpha val="90000"/>
+        <a:tint val="40000"/>
+      </a:schemeClr>
+    </dgm:linClrLst>
+    <dgm:effectClrLst/>
+    <dgm:txLinClrLst/>
+    <dgm:txFillClrLst meth="repeat">
+      <a:schemeClr val="dk1"/>
+    </dgm:txFillClrLst>
+    <dgm:txEffectClrLst/>
+  </dgm:styleLbl>
+  <dgm:styleLbl name="bgAccFollowNode1">
+    <dgm:fillClrLst meth="repeat">
+      <a:schemeClr val="accent1">
+        <a:alpha val="90000"/>
+        <a:tint val="40000"/>
+      </a:schemeClr>
+    </dgm:fillClrLst>
+    <dgm:linClrLst meth="repeat">
+      <a:schemeClr val="accent1">
+        <a:alpha val="90000"/>
+        <a:tint val="40000"/>
+      </a:schemeClr>
+    </dgm:linClrLst>
+    <dgm:effectClrLst/>
+    <dgm:txLinClrLst/>
+    <dgm:txFillClrLst meth="repeat">
+      <a:schemeClr val="dk1"/>
+    </dgm:txFillClrLst>
+    <dgm:txEffectClrLst/>
+  </dgm:styleLbl>
+  <dgm:styleLbl name="fgAcc0">
+    <dgm:fillClrLst meth="repeat">
+      <a:schemeClr val="lt1">
+        <a:alpha val="90000"/>
+      </a:schemeClr>
+    </dgm:fillClrLst>
+    <dgm:linClrLst meth="repeat">
+      <a:schemeClr val="accent1"/>
+    </dgm:linClrLst>
+    <dgm:effectClrLst/>
+    <dgm:txLinClrLst/>
+    <dgm:txFillClrLst meth="repeat">
+      <a:schemeClr val="dk1"/>
+    </dgm:txFillClrLst>
+    <dgm:txEffectClrLst/>
+  </dgm:styleLbl>
+  <dgm:styleLbl name="fgAcc2">
+    <dgm:fillClrLst meth="repeat">
+      <a:schemeClr val="lt1">
+        <a:alpha val="90000"/>
+      </a:schemeClr>
+    </dgm:fillClrLst>
+    <dgm:linClrLst meth="repeat">
+      <a:schemeClr val="accent1"/>
+    </dgm:linClrLst>
+    <dgm:effectClrLst/>
+    <dgm:txLinClrLst/>
+    <dgm:txFillClrLst meth="repeat">
+      <a:schemeClr val="dk1"/>
+    </dgm:txFillClrLst>
+    <dgm:txEffectClrLst/>
+  </dgm:styleLbl>
+  <dgm:styleLbl name="fgAcc3">
+    <dgm:fillClrLst meth="repeat">
+      <a:schemeClr val="lt1">
+        <a:alpha val="90000"/>
+      </a:schemeClr>
+    </dgm:fillClrLst>
+    <dgm:linClrLst meth="repeat">
+      <a:schemeClr val="accent1"/>
+    </dgm:linClrLst>
+    <dgm:effectClrLst/>
+    <dgm:txLinClrLst/>
+    <dgm:txFillClrLst meth="repeat">
+      <a:schemeClr val="dk1"/>
+    </dgm:txFillClrLst>
+    <dgm:txEffectClrLst/>
+  </dgm:styleLbl>
+  <dgm:styleLbl name="fgAcc4">
+    <dgm:fillClrLst meth="repeat">
+      <a:schemeClr val="lt1">
+        <a:alpha val="90000"/>
+      </a:schemeClr>
+    </dgm:fillClrLst>
+    <dgm:linClrLst meth="repeat">
+      <a:schemeClr val="accent1"/>
+    </dgm:linClrLst>
+    <dgm:effectClrLst/>
+    <dgm:txLinClrLst/>
+    <dgm:txFillClrLst meth="repeat">
+      <a:schemeClr val="dk1"/>
+    </dgm:txFillClrLst>
+    <dgm:txEffectClrLst/>
+  </dgm:styleLbl>
+  <dgm:styleLbl name="bgShp">
+    <dgm:fillClrLst meth="repeat">
+      <a:schemeClr val="accent1">
+        <a:tint val="40000"/>
+      </a:schemeClr>
+    </dgm:fillClrLst>
+    <dgm:linClrLst meth="repeat">
+      <a:schemeClr val="accent1"/>
+    </dgm:linClrLst>
+    <dgm:effectClrLst/>
+    <dgm:txLinClrLst/>
+    <dgm:txFillClrLst meth="repeat">
+      <a:schemeClr val="dk1"/>
+    </dgm:txFillClrLst>
+    <dgm:txEffectClrLst/>
+  </dgm:styleLbl>
+  <dgm:styleLbl name="dkBgShp">
+    <dgm:fillClrLst meth="repeat">
+      <a:schemeClr val="accent1">
+        <a:shade val="80000"/>
+      </a:schemeClr>
+    </dgm:fillClrLst>
+    <dgm:linClrLst meth="repeat">
+      <a:schemeClr val="accent1"/>
+    </dgm:linClrLst>
+    <dgm:effectClrLst/>
+    <dgm:txLinClrLst/>
+    <dgm:txFillClrLst meth="repeat">
+      <a:schemeClr val="lt1"/>
+    </dgm:txFillClrLst>
+    <dgm:txEffectClrLst/>
+  </dgm:styleLbl>
+  <dgm:styleLbl name="trBgShp">
+    <dgm:fillClrLst meth="repeat">
+      <a:schemeClr val="accent1">
+        <a:tint val="50000"/>
+        <a:alpha val="40000"/>
+      </a:schemeClr>
+    </dgm:fillClrLst>
+    <dgm:linClrLst meth="repeat">
+      <a:schemeClr val="accent1"/>
+    </dgm:linClrLst>
+    <dgm:effectClrLst/>
+    <dgm:txLinClrLst/>
+    <dgm:txFillClrLst meth="repeat">
+      <a:schemeClr val="lt1"/>
+    </dgm:txFillClrLst>
+    <dgm:txEffectClrLst/>
+  </dgm:styleLbl>
+  <dgm:styleLbl name="fgShp">
+    <dgm:fillClrLst meth="repeat">
+      <a:schemeClr val="accent1">
+        <a:tint val="60000"/>
+      </a:schemeClr>
+    </dgm:fillClrLst>
+    <dgm:linClrLst meth="repeat">
+      <a:schemeClr val="lt1"/>
+    </dgm:linClrLst>
+    <dgm:effectClrLst/>
+    <dgm:txLinClrLst/>
+    <dgm:txFillClrLst meth="repeat">
+      <a:schemeClr val="dk1"/>
+    </dgm:txFillClrLst>
+    <dgm:txEffectClrLst/>
+  </dgm:styleLbl>
+  <dgm:styleLbl name="revTx">
+    <dgm:fillClrLst meth="repeat">
+      <a:schemeClr val="lt1">
+        <a:alpha val="0"/>
+      </a:schemeClr>
+    </dgm:fillClrLst>
+    <dgm:linClrLst meth="repeat">
+      <a:schemeClr val="dk1">
+        <a:alpha val="0"/>
+      </a:schemeClr>
+    </dgm:linClrLst>
+    <dgm:effectClrLst/>
+    <dgm:txLinClrLst/>
+    <dgm:txFillClrLst meth="repeat">
+      <a:schemeClr val="tx1"/>
+    </dgm:txFillClrLst>
+    <dgm:txEffectClrLst/>
+  </dgm:styleLbl>
+</dgm:colorsDef>
+</file>
+
+<file path=ppt/diagrams/data1.xml><?xml version="1.0" encoding="utf-8"?>
+<dgm:dataModel xmlns:dgm="http://schemas.openxmlformats.org/drawingml/2006/diagram" xmlns:a="http://schemas.openxmlformats.org/drawingml/2006/main">
+  <dgm:ptLst>
+    <dgm:pt modelId="{6D5ABE0D-2183-460C-8CDA-E01CF4647CB4}" type="doc">
+      <dgm:prSet loTypeId="urn:microsoft.com/office/officeart/2005/8/layout/vList5" loCatId="list" qsTypeId="urn:microsoft.com/office/officeart/2005/8/quickstyle/simple1" qsCatId="simple" csTypeId="urn:microsoft.com/office/officeart/2005/8/colors/accent1_2" csCatId="accent1" phldr="1"/>
+      <dgm:spPr/>
+      <dgm:t>
+        <a:bodyPr/>
+        <a:lstStyle/>
+        <a:p>
+          <a:endParaRPr lang="es-ES"/>
+        </a:p>
+      </dgm:t>
+    </dgm:pt>
+    <dgm:pt modelId="{790B94C9-8E92-4C41-AD4D-B0CF3418D9E1}">
+      <dgm:prSet/>
+      <dgm:spPr/>
+      <dgm:t>
+        <a:bodyPr/>
+        <a:lstStyle/>
+        <a:p>
+          <a:pPr rtl="0"/>
+          <a:r>
+            <a:rPr lang="es-ES" smtClean="0"/>
+            <a:t>LA TECNOLOGÍA</a:t>
+          </a:r>
+          <a:endParaRPr lang="es-ES"/>
+        </a:p>
+      </dgm:t>
+    </dgm:pt>
+    <dgm:pt modelId="{EED50648-715D-4E38-95B3-DAAE11B8B6A4}" type="parTrans" cxnId="{E3541F68-1D30-4131-9AEB-C660F448A2B9}">
+      <dgm:prSet/>
+      <dgm:spPr/>
+      <dgm:t>
+        <a:bodyPr/>
+        <a:lstStyle/>
+        <a:p>
+          <a:endParaRPr lang="es-ES"/>
+        </a:p>
+      </dgm:t>
+    </dgm:pt>
+    <dgm:pt modelId="{693AD4CE-841B-4DD3-8C02-316DF4D5ECEF}" type="sibTrans" cxnId="{E3541F68-1D30-4131-9AEB-C660F448A2B9}">
+      <dgm:prSet/>
+      <dgm:spPr/>
+      <dgm:t>
+        <a:bodyPr/>
+        <a:lstStyle/>
+        <a:p>
+          <a:endParaRPr lang="es-ES"/>
+        </a:p>
+      </dgm:t>
+    </dgm:pt>
+    <dgm:pt modelId="{26E2827C-FF1B-4DEE-BE23-5203354CD7FB}">
+      <dgm:prSet/>
+      <dgm:spPr/>
+      <dgm:t>
+        <a:bodyPr/>
+        <a:lstStyle/>
+        <a:p>
+          <a:pPr rtl="0"/>
+          <a:r>
+            <a:rPr lang="es-ES" dirty="0" smtClean="0"/>
+            <a:t>La </a:t>
+          </a:r>
+          <a:r>
+            <a:rPr lang="es-ES" b="1" dirty="0" smtClean="0"/>
+            <a:t>UI imperativa </a:t>
+          </a:r>
+          <a:r>
+            <a:rPr lang="es-ES" dirty="0" smtClean="0"/>
+            <a:t>de XML </a:t>
+          </a:r>
+          <a:r>
+            <a:rPr lang="es-ES" dirty="0" smtClean="0">
+              <a:sym typeface="Wingdings" panose="05000000000000000000" pitchFamily="2" charset="2"/>
+            </a:rPr>
+            <a:t></a:t>
+          </a:r>
+          <a:r>
+            <a:rPr lang="es-ES" dirty="0" smtClean="0"/>
+            <a:t> </a:t>
+          </a:r>
+          <a:r>
+            <a:rPr lang="es-ES" b="1" dirty="0" smtClean="0"/>
+            <a:t>declarativa</a:t>
+          </a:r>
+          <a:r>
+            <a:rPr lang="es-ES" dirty="0" smtClean="0"/>
+            <a:t> con Compose (unificado)</a:t>
+          </a:r>
+          <a:endParaRPr lang="es-ES" dirty="0"/>
+        </a:p>
+      </dgm:t>
+    </dgm:pt>
+    <dgm:pt modelId="{14A116AC-6C94-4621-8254-14B054ABEB09}" type="parTrans" cxnId="{73513F56-2CB2-44E9-A9A8-7DAB761819AE}">
+      <dgm:prSet/>
+      <dgm:spPr/>
+      <dgm:t>
+        <a:bodyPr/>
+        <a:lstStyle/>
+        <a:p>
+          <a:endParaRPr lang="es-ES"/>
+        </a:p>
+      </dgm:t>
+    </dgm:pt>
+    <dgm:pt modelId="{9C57AB68-FFEF-463C-9EB4-1A0A61277125}" type="sibTrans" cxnId="{73513F56-2CB2-44E9-A9A8-7DAB761819AE}">
+      <dgm:prSet/>
+      <dgm:spPr/>
+      <dgm:t>
+        <a:bodyPr/>
+        <a:lstStyle/>
+        <a:p>
+          <a:endParaRPr lang="es-ES"/>
+        </a:p>
+      </dgm:t>
+    </dgm:pt>
+    <dgm:pt modelId="{FBD2A7B4-86C7-464D-AE19-2290EC32B277}">
+      <dgm:prSet/>
+      <dgm:spPr/>
+      <dgm:t>
+        <a:bodyPr/>
+        <a:lstStyle/>
+        <a:p>
+          <a:pPr rtl="0"/>
+          <a:r>
+            <a:rPr lang="es-ES" dirty="0" smtClean="0"/>
+            <a:t>Activities/</a:t>
+          </a:r>
+          <a:r>
+            <a:rPr lang="es-ES" dirty="0" err="1" smtClean="0"/>
+            <a:t>Fragments</a:t>
+          </a:r>
+          <a:r>
+            <a:rPr lang="es-ES" dirty="0" smtClean="0"/>
+            <a:t> </a:t>
+          </a:r>
+          <a:r>
+            <a:rPr lang="es-ES" dirty="0" smtClean="0">
+              <a:sym typeface="Wingdings" panose="05000000000000000000" pitchFamily="2" charset="2"/>
+            </a:rPr>
+            <a:t></a:t>
+          </a:r>
+          <a:r>
+            <a:rPr lang="es-ES" dirty="0" smtClean="0"/>
+            <a:t> </a:t>
+          </a:r>
+          <a:r>
+            <a:rPr lang="es-ES" b="1" dirty="0" smtClean="0"/>
+            <a:t>MVVM</a:t>
+          </a:r>
+          <a:endParaRPr lang="es-ES" dirty="0"/>
+        </a:p>
+      </dgm:t>
+    </dgm:pt>
+    <dgm:pt modelId="{94D5390F-5F4F-415D-B63F-EF2B7B235C79}" type="parTrans" cxnId="{E67EFCC1-BD16-4504-B58A-17EF254E8683}">
+      <dgm:prSet/>
+      <dgm:spPr/>
+      <dgm:t>
+        <a:bodyPr/>
+        <a:lstStyle/>
+        <a:p>
+          <a:endParaRPr lang="es-ES"/>
+        </a:p>
+      </dgm:t>
+    </dgm:pt>
+    <dgm:pt modelId="{EFC8AD67-C2B4-4459-BAD5-DAAA61B05BC4}" type="sibTrans" cxnId="{E67EFCC1-BD16-4504-B58A-17EF254E8683}">
+      <dgm:prSet/>
+      <dgm:spPr/>
+      <dgm:t>
+        <a:bodyPr/>
+        <a:lstStyle/>
+        <a:p>
+          <a:endParaRPr lang="es-ES"/>
+        </a:p>
+      </dgm:t>
+    </dgm:pt>
+    <dgm:pt modelId="{2207F6F1-E3B2-4E26-AA9C-3D4082E73EE4}">
+      <dgm:prSet/>
+      <dgm:spPr/>
+      <dgm:t>
+        <a:bodyPr/>
+        <a:lstStyle/>
+        <a:p>
+          <a:pPr rtl="0"/>
+          <a:r>
+            <a:rPr lang="es-ES" dirty="0" smtClean="0"/>
+            <a:t>Referenciado de vistas </a:t>
+          </a:r>
+          <a:r>
+            <a:rPr lang="es-ES" dirty="0" smtClean="0">
+              <a:sym typeface="Wingdings" panose="05000000000000000000" pitchFamily="2" charset="2"/>
+            </a:rPr>
+            <a:t></a:t>
+          </a:r>
+          <a:r>
+            <a:rPr lang="es-ES" dirty="0" smtClean="0"/>
+            <a:t> </a:t>
+          </a:r>
+          <a:r>
+            <a:rPr lang="es-ES" b="1" dirty="0" smtClean="0"/>
+            <a:t>UI reactiva </a:t>
+          </a:r>
+          <a:r>
+            <a:rPr lang="es-ES" dirty="0" smtClean="0"/>
+            <a:t>basada en estados</a:t>
+          </a:r>
+          <a:endParaRPr lang="es-ES" dirty="0"/>
+        </a:p>
+      </dgm:t>
+    </dgm:pt>
+    <dgm:pt modelId="{CFDF4B93-5A82-49E9-8F23-96D835F2CE90}" type="parTrans" cxnId="{7E535827-244C-4F9A-9B36-7A184BD2C759}">
+      <dgm:prSet/>
+      <dgm:spPr/>
+      <dgm:t>
+        <a:bodyPr/>
+        <a:lstStyle/>
+        <a:p>
+          <a:endParaRPr lang="es-ES"/>
+        </a:p>
+      </dgm:t>
+    </dgm:pt>
+    <dgm:pt modelId="{508002C1-B1D5-41B1-9569-3CE91D0AC727}" type="sibTrans" cxnId="{7E535827-244C-4F9A-9B36-7A184BD2C759}">
+      <dgm:prSet/>
+      <dgm:spPr/>
+      <dgm:t>
+        <a:bodyPr/>
+        <a:lstStyle/>
+        <a:p>
+          <a:endParaRPr lang="es-ES"/>
+        </a:p>
+      </dgm:t>
+    </dgm:pt>
+    <dgm:pt modelId="{F475A010-E9B0-46F2-9AA9-1FCCB304A232}">
+      <dgm:prSet/>
+      <dgm:spPr/>
+      <dgm:t>
+        <a:bodyPr/>
+        <a:lstStyle/>
+        <a:p>
+          <a:pPr rtl="0"/>
+          <a:r>
+            <a:rPr lang="es-ES" b="1" dirty="0" smtClean="0"/>
+            <a:t>Binding manual </a:t>
+          </a:r>
+          <a:r>
+            <a:rPr lang="es-ES" dirty="0" smtClean="0">
+              <a:sym typeface="Wingdings" panose="05000000000000000000" pitchFamily="2" charset="2"/>
+            </a:rPr>
+            <a:t></a:t>
+          </a:r>
+          <a:r>
+            <a:rPr lang="es-ES" dirty="0" smtClean="0"/>
+            <a:t> Código composable</a:t>
+          </a:r>
+          <a:endParaRPr lang="es-ES" dirty="0"/>
+        </a:p>
+      </dgm:t>
+    </dgm:pt>
+    <dgm:pt modelId="{98D86941-4DAD-4132-9BAF-C610D0E3F734}" type="parTrans" cxnId="{FF597ED9-55EE-4C0F-B620-9FFB53BC7E71}">
+      <dgm:prSet/>
+      <dgm:spPr/>
+      <dgm:t>
+        <a:bodyPr/>
+        <a:lstStyle/>
+        <a:p>
+          <a:endParaRPr lang="es-ES"/>
+        </a:p>
+      </dgm:t>
+    </dgm:pt>
+    <dgm:pt modelId="{4AF055D6-6AD9-469C-A62C-85D7A8626763}" type="sibTrans" cxnId="{FF597ED9-55EE-4C0F-B620-9FFB53BC7E71}">
+      <dgm:prSet/>
+      <dgm:spPr/>
+      <dgm:t>
+        <a:bodyPr/>
+        <a:lstStyle/>
+        <a:p>
+          <a:endParaRPr lang="es-ES"/>
+        </a:p>
+      </dgm:t>
+    </dgm:pt>
+    <dgm:pt modelId="{A94B9286-2AEE-41A4-BA4B-DF9EA972BB4F}">
+      <dgm:prSet/>
+      <dgm:spPr/>
+      <dgm:t>
+        <a:bodyPr/>
+        <a:lstStyle/>
+        <a:p>
+          <a:pPr rtl="0"/>
+          <a:r>
+            <a:rPr lang="es-ES" dirty="0" smtClean="0"/>
+            <a:t>Optimización manual </a:t>
+          </a:r>
+          <a:r>
+            <a:rPr lang="es-ES" dirty="0" smtClean="0">
+              <a:sym typeface="Wingdings" panose="05000000000000000000" pitchFamily="2" charset="2"/>
+            </a:rPr>
+            <a:t></a:t>
+          </a:r>
+          <a:r>
+            <a:rPr lang="es-ES" dirty="0" smtClean="0"/>
+            <a:t> Compose optimiza auto.</a:t>
+          </a:r>
+          <a:endParaRPr lang="es-ES" dirty="0"/>
+        </a:p>
+      </dgm:t>
+    </dgm:pt>
+    <dgm:pt modelId="{25F3CE9D-99E5-45B5-91DD-A0714FC4EC60}" type="parTrans" cxnId="{C49959E0-7377-4D0A-889A-E9BC96194B10}">
+      <dgm:prSet/>
+      <dgm:spPr/>
+      <dgm:t>
+        <a:bodyPr/>
+        <a:lstStyle/>
+        <a:p>
+          <a:endParaRPr lang="es-ES"/>
+        </a:p>
+      </dgm:t>
+    </dgm:pt>
+    <dgm:pt modelId="{AFADC509-1BB2-4246-A982-BAEF746A3965}" type="sibTrans" cxnId="{C49959E0-7377-4D0A-889A-E9BC96194B10}">
+      <dgm:prSet/>
+      <dgm:spPr/>
+      <dgm:t>
+        <a:bodyPr/>
+        <a:lstStyle/>
+        <a:p>
+          <a:endParaRPr lang="es-ES"/>
+        </a:p>
+      </dgm:t>
+    </dgm:pt>
+    <dgm:pt modelId="{ECAEA374-FBB1-4155-A831-73678A95CC9B}">
+      <dgm:prSet/>
+      <dgm:spPr/>
+      <dgm:t>
+        <a:bodyPr/>
+        <a:lstStyle/>
+        <a:p>
+          <a:pPr rtl="0"/>
+          <a:r>
+            <a:rPr lang="es-ES" dirty="0" smtClean="0"/>
+            <a:t>Mayor carga de animaciones </a:t>
+          </a:r>
+          <a:r>
+            <a:rPr lang="es-ES" dirty="0" smtClean="0">
+              <a:sym typeface="Wingdings" panose="05000000000000000000" pitchFamily="2" charset="2"/>
+            </a:rPr>
+            <a:t></a:t>
+          </a:r>
+          <a:r>
+            <a:rPr lang="es-ES" dirty="0" smtClean="0"/>
+            <a:t> </a:t>
+          </a:r>
+          <a:r>
+            <a:rPr lang="es-ES" b="1" dirty="0" smtClean="0"/>
+            <a:t>Animaciones más ligeras </a:t>
+          </a:r>
+          <a:r>
+            <a:rPr lang="es-ES" dirty="0" smtClean="0"/>
+            <a:t>(Compose) </a:t>
+          </a:r>
+          <a:endParaRPr lang="es-ES" dirty="0"/>
+        </a:p>
+      </dgm:t>
+    </dgm:pt>
+    <dgm:pt modelId="{E8954CF2-D2FA-485D-914C-A235E815B5EA}" type="parTrans" cxnId="{68043BD2-72AA-44B8-A51E-03A4F02BEAE9}">
+      <dgm:prSet/>
+      <dgm:spPr/>
+      <dgm:t>
+        <a:bodyPr/>
+        <a:lstStyle/>
+        <a:p>
+          <a:endParaRPr lang="es-ES"/>
+        </a:p>
+      </dgm:t>
+    </dgm:pt>
+    <dgm:pt modelId="{586BBBEF-997B-430E-8CA6-9EF67CBF9DE3}" type="sibTrans" cxnId="{68043BD2-72AA-44B8-A51E-03A4F02BEAE9}">
+      <dgm:prSet/>
+      <dgm:spPr/>
+      <dgm:t>
+        <a:bodyPr/>
+        <a:lstStyle/>
+        <a:p>
+          <a:endParaRPr lang="es-ES"/>
+        </a:p>
+      </dgm:t>
+    </dgm:pt>
+    <dgm:pt modelId="{881414FF-7DA8-4092-A7B3-BEE67A2349AB}">
+      <dgm:prSet/>
+      <dgm:spPr/>
+      <dgm:t>
+        <a:bodyPr/>
+        <a:lstStyle/>
+        <a:p>
+          <a:pPr rtl="0"/>
+          <a:r>
+            <a:rPr lang="es-ES" b="1" dirty="0" smtClean="0"/>
+            <a:t>LiveData</a:t>
+          </a:r>
+          <a:r>
+            <a:rPr lang="es-ES" dirty="0" smtClean="0"/>
+            <a:t> </a:t>
+          </a:r>
+          <a:r>
+            <a:rPr lang="es-ES" dirty="0" smtClean="0">
+              <a:sym typeface="Wingdings" panose="05000000000000000000" pitchFamily="2" charset="2"/>
+            </a:rPr>
+            <a:t></a:t>
+          </a:r>
+          <a:r>
+            <a:rPr lang="es-ES" dirty="0" smtClean="0"/>
+            <a:t> Estados StateFlow, </a:t>
+          </a:r>
+          <a:r>
+            <a:rPr lang="es-ES" dirty="0" smtClean="0"/>
+            <a:t>Remenber</a:t>
+          </a:r>
+          <a:r>
+            <a:rPr lang="es-ES" dirty="0" smtClean="0"/>
+            <a:t>, </a:t>
+          </a:r>
+          <a:r>
+            <a:rPr lang="es-ES" b="1" dirty="0" smtClean="0"/>
+            <a:t>MutableState</a:t>
+          </a:r>
+          <a:r>
+            <a:rPr lang="es-ES" dirty="0" smtClean="0"/>
+            <a:t>, MutableStateFlow</a:t>
+          </a:r>
+          <a:endParaRPr lang="es-ES" dirty="0"/>
+        </a:p>
+      </dgm:t>
+    </dgm:pt>
+    <dgm:pt modelId="{4329A08C-D5E9-4089-902B-D634083F17CC}" type="parTrans" cxnId="{D2CDEA17-25C7-4469-BE0D-518CFFD17EBA}">
+      <dgm:prSet/>
+      <dgm:spPr/>
+      <dgm:t>
+        <a:bodyPr/>
+        <a:lstStyle/>
+        <a:p>
+          <a:endParaRPr lang="es-ES"/>
+        </a:p>
+      </dgm:t>
+    </dgm:pt>
+    <dgm:pt modelId="{320E475F-59FA-45C1-9065-A6720A115072}" type="sibTrans" cxnId="{D2CDEA17-25C7-4469-BE0D-518CFFD17EBA}">
+      <dgm:prSet/>
+      <dgm:spPr/>
+      <dgm:t>
+        <a:bodyPr/>
+        <a:lstStyle/>
+        <a:p>
+          <a:endParaRPr lang="es-ES"/>
+        </a:p>
+      </dgm:t>
+    </dgm:pt>
+    <dgm:pt modelId="{8B7FFF6B-E533-48DB-A495-6ACE07BE7AC6}" type="pres">
+      <dgm:prSet presAssocID="{6D5ABE0D-2183-460C-8CDA-E01CF4647CB4}" presName="Name0" presStyleCnt="0">
+        <dgm:presLayoutVars>
+          <dgm:dir/>
+          <dgm:animLvl val="lvl"/>
+          <dgm:resizeHandles val="exact"/>
+        </dgm:presLayoutVars>
+      </dgm:prSet>
+      <dgm:spPr/>
+      <dgm:t>
+        <a:bodyPr/>
+        <a:lstStyle/>
+        <a:p>
+          <a:endParaRPr lang="es-ES"/>
+        </a:p>
+      </dgm:t>
+    </dgm:pt>
+    <dgm:pt modelId="{FA419828-04DF-4C68-AC9F-C2AB2476DCEC}" type="pres">
+      <dgm:prSet presAssocID="{790B94C9-8E92-4C41-AD4D-B0CF3418D9E1}" presName="linNode" presStyleCnt="0"/>
+      <dgm:spPr/>
+    </dgm:pt>
+    <dgm:pt modelId="{FBC62372-0ABC-45DF-8EF4-FDB3043B191E}" type="pres">
+      <dgm:prSet presAssocID="{790B94C9-8E92-4C41-AD4D-B0CF3418D9E1}" presName="parentText" presStyleLbl="node1" presStyleIdx="0" presStyleCnt="1" custScaleX="48841">
+        <dgm:presLayoutVars>
+          <dgm:chMax val="1"/>
+          <dgm:bulletEnabled val="1"/>
+        </dgm:presLayoutVars>
+      </dgm:prSet>
+      <dgm:spPr/>
+      <dgm:t>
+        <a:bodyPr/>
+        <a:lstStyle/>
+        <a:p>
+          <a:endParaRPr lang="es-ES"/>
+        </a:p>
+      </dgm:t>
+    </dgm:pt>
+    <dgm:pt modelId="{0102A419-A351-48AC-8777-0D8F13927D46}" type="pres">
+      <dgm:prSet presAssocID="{790B94C9-8E92-4C41-AD4D-B0CF3418D9E1}" presName="descendantText" presStyleLbl="alignAccFollowNode1" presStyleIdx="0" presStyleCnt="1" custScaleX="278796">
+        <dgm:presLayoutVars>
+          <dgm:bulletEnabled val="1"/>
+        </dgm:presLayoutVars>
+      </dgm:prSet>
+      <dgm:spPr/>
+      <dgm:t>
+        <a:bodyPr/>
+        <a:lstStyle/>
+        <a:p>
+          <a:endParaRPr lang="es-ES"/>
+        </a:p>
+      </dgm:t>
+    </dgm:pt>
+  </dgm:ptLst>
+  <dgm:cxnLst>
+    <dgm:cxn modelId="{4CB4AE96-93D6-41F5-8CDF-E59299B08BF5}" type="presOf" srcId="{ECAEA374-FBB1-4155-A831-73678A95CC9B}" destId="{0102A419-A351-48AC-8777-0D8F13927D46}" srcOrd="0" destOrd="5" presId="urn:microsoft.com/office/officeart/2005/8/layout/vList5"/>
+    <dgm:cxn modelId="{FF597ED9-55EE-4C0F-B620-9FFB53BC7E71}" srcId="{790B94C9-8E92-4C41-AD4D-B0CF3418D9E1}" destId="{F475A010-E9B0-46F2-9AA9-1FCCB304A232}" srcOrd="3" destOrd="0" parTransId="{98D86941-4DAD-4132-9BAF-C610D0E3F734}" sibTransId="{4AF055D6-6AD9-469C-A62C-85D7A8626763}"/>
+    <dgm:cxn modelId="{D35AAAFD-D2C0-484F-95F4-1110C7789ACD}" type="presOf" srcId="{A94B9286-2AEE-41A4-BA4B-DF9EA972BB4F}" destId="{0102A419-A351-48AC-8777-0D8F13927D46}" srcOrd="0" destOrd="4" presId="urn:microsoft.com/office/officeart/2005/8/layout/vList5"/>
+    <dgm:cxn modelId="{7E535827-244C-4F9A-9B36-7A184BD2C759}" srcId="{790B94C9-8E92-4C41-AD4D-B0CF3418D9E1}" destId="{2207F6F1-E3B2-4E26-AA9C-3D4082E73EE4}" srcOrd="2" destOrd="0" parTransId="{CFDF4B93-5A82-49E9-8F23-96D835F2CE90}" sibTransId="{508002C1-B1D5-41B1-9569-3CE91D0AC727}"/>
+    <dgm:cxn modelId="{0BF3762D-7BBC-43D8-AEA5-FBB839048D30}" type="presOf" srcId="{6D5ABE0D-2183-460C-8CDA-E01CF4647CB4}" destId="{8B7FFF6B-E533-48DB-A495-6ACE07BE7AC6}" srcOrd="0" destOrd="0" presId="urn:microsoft.com/office/officeart/2005/8/layout/vList5"/>
+    <dgm:cxn modelId="{68043BD2-72AA-44B8-A51E-03A4F02BEAE9}" srcId="{790B94C9-8E92-4C41-AD4D-B0CF3418D9E1}" destId="{ECAEA374-FBB1-4155-A831-73678A95CC9B}" srcOrd="5" destOrd="0" parTransId="{E8954CF2-D2FA-485D-914C-A235E815B5EA}" sibTransId="{586BBBEF-997B-430E-8CA6-9EF67CBF9DE3}"/>
+    <dgm:cxn modelId="{73513F56-2CB2-44E9-A9A8-7DAB761819AE}" srcId="{790B94C9-8E92-4C41-AD4D-B0CF3418D9E1}" destId="{26E2827C-FF1B-4DEE-BE23-5203354CD7FB}" srcOrd="0" destOrd="0" parTransId="{14A116AC-6C94-4621-8254-14B054ABEB09}" sibTransId="{9C57AB68-FFEF-463C-9EB4-1A0A61277125}"/>
+    <dgm:cxn modelId="{B6A0D9C6-0C0C-425A-925C-1EE05A35A9B2}" type="presOf" srcId="{F475A010-E9B0-46F2-9AA9-1FCCB304A232}" destId="{0102A419-A351-48AC-8777-0D8F13927D46}" srcOrd="0" destOrd="3" presId="urn:microsoft.com/office/officeart/2005/8/layout/vList5"/>
+    <dgm:cxn modelId="{E3541F68-1D30-4131-9AEB-C660F448A2B9}" srcId="{6D5ABE0D-2183-460C-8CDA-E01CF4647CB4}" destId="{790B94C9-8E92-4C41-AD4D-B0CF3418D9E1}" srcOrd="0" destOrd="0" parTransId="{EED50648-715D-4E38-95B3-DAAE11B8B6A4}" sibTransId="{693AD4CE-841B-4DD3-8C02-316DF4D5ECEF}"/>
+    <dgm:cxn modelId="{6FE53F7A-9598-4912-ACB8-B57DACDBAC94}" type="presOf" srcId="{26E2827C-FF1B-4DEE-BE23-5203354CD7FB}" destId="{0102A419-A351-48AC-8777-0D8F13927D46}" srcOrd="0" destOrd="0" presId="urn:microsoft.com/office/officeart/2005/8/layout/vList5"/>
+    <dgm:cxn modelId="{4C59347C-1251-441F-82CA-6AF44F0A1A30}" type="presOf" srcId="{2207F6F1-E3B2-4E26-AA9C-3D4082E73EE4}" destId="{0102A419-A351-48AC-8777-0D8F13927D46}" srcOrd="0" destOrd="2" presId="urn:microsoft.com/office/officeart/2005/8/layout/vList5"/>
+    <dgm:cxn modelId="{D2CDEA17-25C7-4469-BE0D-518CFFD17EBA}" srcId="{790B94C9-8E92-4C41-AD4D-B0CF3418D9E1}" destId="{881414FF-7DA8-4092-A7B3-BEE67A2349AB}" srcOrd="6" destOrd="0" parTransId="{4329A08C-D5E9-4089-902B-D634083F17CC}" sibTransId="{320E475F-59FA-45C1-9065-A6720A115072}"/>
+    <dgm:cxn modelId="{E67EFCC1-BD16-4504-B58A-17EF254E8683}" srcId="{790B94C9-8E92-4C41-AD4D-B0CF3418D9E1}" destId="{FBD2A7B4-86C7-464D-AE19-2290EC32B277}" srcOrd="1" destOrd="0" parTransId="{94D5390F-5F4F-415D-B63F-EF2B7B235C79}" sibTransId="{EFC8AD67-C2B4-4459-BAD5-DAAA61B05BC4}"/>
+    <dgm:cxn modelId="{C49959E0-7377-4D0A-889A-E9BC96194B10}" srcId="{790B94C9-8E92-4C41-AD4D-B0CF3418D9E1}" destId="{A94B9286-2AEE-41A4-BA4B-DF9EA972BB4F}" srcOrd="4" destOrd="0" parTransId="{25F3CE9D-99E5-45B5-91DD-A0714FC4EC60}" sibTransId="{AFADC509-1BB2-4246-A982-BAEF746A3965}"/>
+    <dgm:cxn modelId="{E85A1B51-0B1E-4FD3-80BA-BFA257B516AA}" type="presOf" srcId="{790B94C9-8E92-4C41-AD4D-B0CF3418D9E1}" destId="{FBC62372-0ABC-45DF-8EF4-FDB3043B191E}" srcOrd="0" destOrd="0" presId="urn:microsoft.com/office/officeart/2005/8/layout/vList5"/>
+    <dgm:cxn modelId="{8A18163B-BFCE-47EE-8A45-34CE846C6071}" type="presOf" srcId="{881414FF-7DA8-4092-A7B3-BEE67A2349AB}" destId="{0102A419-A351-48AC-8777-0D8F13927D46}" srcOrd="0" destOrd="6" presId="urn:microsoft.com/office/officeart/2005/8/layout/vList5"/>
+    <dgm:cxn modelId="{FDBA0904-CDAE-481B-ACE7-D4B562743F7E}" type="presOf" srcId="{FBD2A7B4-86C7-464D-AE19-2290EC32B277}" destId="{0102A419-A351-48AC-8777-0D8F13927D46}" srcOrd="0" destOrd="1" presId="urn:microsoft.com/office/officeart/2005/8/layout/vList5"/>
+    <dgm:cxn modelId="{9B2C5567-1BE2-4411-8376-4FDF4B095C47}" type="presParOf" srcId="{8B7FFF6B-E533-48DB-A495-6ACE07BE7AC6}" destId="{FA419828-04DF-4C68-AC9F-C2AB2476DCEC}" srcOrd="0" destOrd="0" presId="urn:microsoft.com/office/officeart/2005/8/layout/vList5"/>
+    <dgm:cxn modelId="{37A4DAC2-B392-44A4-B011-72536E636CD9}" type="presParOf" srcId="{FA419828-04DF-4C68-AC9F-C2AB2476DCEC}" destId="{FBC62372-0ABC-45DF-8EF4-FDB3043B191E}" srcOrd="0" destOrd="0" presId="urn:microsoft.com/office/officeart/2005/8/layout/vList5"/>
+    <dgm:cxn modelId="{8A52931B-FF25-4589-BB70-266131CB8D3E}" type="presParOf" srcId="{FA419828-04DF-4C68-AC9F-C2AB2476DCEC}" destId="{0102A419-A351-48AC-8777-0D8F13927D46}" srcOrd="1" destOrd="0" presId="urn:microsoft.com/office/officeart/2005/8/layout/vList5"/>
+  </dgm:cxnLst>
+  <dgm:bg/>
+  <dgm:whole/>
+  <dgm:extLst>
+    <a:ext uri="http://schemas.microsoft.com/office/drawing/2008/diagram">
+      <dsp:dataModelExt xmlns:dsp="http://schemas.microsoft.com/office/drawing/2008/diagram" relId="rId6" minVer="http://schemas.openxmlformats.org/drawingml/2006/diagram"/>
+    </a:ext>
+  </dgm:extLst>
+</dgm:dataModel>
+</file>
+
+<file path=ppt/diagrams/drawing1.xml><?xml version="1.0" encoding="utf-8"?>
+<dsp:drawing xmlns:dgm="http://schemas.openxmlformats.org/drawingml/2006/diagram" xmlns:dsp="http://schemas.microsoft.com/office/drawing/2008/diagram" xmlns:a="http://schemas.openxmlformats.org/drawingml/2006/main">
+  <dsp:spTree>
+    <dsp:nvGrpSpPr>
+      <dsp:cNvPr id="0" name=""/>
+      <dsp:cNvGrpSpPr/>
+    </dsp:nvGrpSpPr>
+    <dsp:grpSpPr/>
+    <dsp:sp modelId="{0102A419-A351-48AC-8777-0D8F13927D46}">
+      <dsp:nvSpPr>
+        <dsp:cNvPr id="0" name=""/>
+        <dsp:cNvSpPr/>
+      </dsp:nvSpPr>
+      <dsp:spPr>
+        <a:xfrm rot="5400000">
+          <a:off x="4742375" y="-3432702"/>
+          <a:ext cx="2533459" cy="10032229"/>
+        </a:xfrm>
+        <a:prstGeom prst="round2SameRect">
+          <a:avLst/>
+        </a:prstGeom>
+        <a:solidFill>
+          <a:schemeClr val="accent1">
+            <a:alpha val="90000"/>
+            <a:tint val="40000"/>
+            <a:hueOff val="0"/>
+            <a:satOff val="0"/>
+            <a:lumOff val="0"/>
+            <a:alphaOff val="0"/>
+          </a:schemeClr>
+        </a:solidFill>
+        <a:ln w="22225" cap="rnd" cmpd="sng" algn="ctr">
+          <a:solidFill>
+            <a:schemeClr val="accent1">
+              <a:alpha val="90000"/>
+              <a:tint val="40000"/>
+              <a:hueOff val="0"/>
+              <a:satOff val="0"/>
+              <a:lumOff val="0"/>
+              <a:alphaOff val="0"/>
+            </a:schemeClr>
+          </a:solidFill>
+          <a:prstDash val="solid"/>
+        </a:ln>
+        <a:effectLst/>
+      </dsp:spPr>
+      <dsp:style>
+        <a:lnRef idx="2">
+          <a:scrgbClr r="0" g="0" b="0"/>
+        </a:lnRef>
+        <a:fillRef idx="1">
+          <a:scrgbClr r="0" g="0" b="0"/>
+        </a:fillRef>
+        <a:effectRef idx="0">
+          <a:scrgbClr r="0" g="0" b="0"/>
+        </a:effectRef>
+        <a:fontRef idx="minor"/>
+      </dsp:style>
+      <dsp:txBody>
+        <a:bodyPr spcFirstLastPara="0" vert="horz" wrap="square" lIns="76200" tIns="38100" rIns="76200" bIns="38100" numCol="1" spcCol="1270" anchor="ctr" anchorCtr="0">
+          <a:noAutofit/>
+        </a:bodyPr>
+        <a:lstStyle/>
+        <a:p>
+          <a:pPr marL="228600" lvl="1" indent="-228600" algn="l" defTabSz="889000" rtl="0">
+            <a:lnSpc>
+              <a:spcPct val="90000"/>
+            </a:lnSpc>
+            <a:spcBef>
+              <a:spcPct val="0"/>
+            </a:spcBef>
+            <a:spcAft>
+              <a:spcPct val="15000"/>
+            </a:spcAft>
+            <a:buChar char="••"/>
+          </a:pPr>
+          <a:r>
+            <a:rPr lang="es-ES" sz="2000" kern="1200" dirty="0" smtClean="0"/>
+            <a:t>La </a:t>
+          </a:r>
+          <a:r>
+            <a:rPr lang="es-ES" sz="2000" b="1" kern="1200" dirty="0" smtClean="0"/>
+            <a:t>UI imperativa </a:t>
+          </a:r>
+          <a:r>
+            <a:rPr lang="es-ES" sz="2000" kern="1200" dirty="0" smtClean="0"/>
+            <a:t>de XML </a:t>
+          </a:r>
+          <a:r>
+            <a:rPr lang="es-ES" sz="2000" kern="1200" dirty="0" smtClean="0">
+              <a:sym typeface="Wingdings" panose="05000000000000000000" pitchFamily="2" charset="2"/>
+            </a:rPr>
+            <a:t></a:t>
+          </a:r>
+          <a:r>
+            <a:rPr lang="es-ES" sz="2000" kern="1200" dirty="0" smtClean="0"/>
+            <a:t> </a:t>
+          </a:r>
+          <a:r>
+            <a:rPr lang="es-ES" sz="2000" b="1" kern="1200" dirty="0" smtClean="0"/>
+            <a:t>declarativa</a:t>
+          </a:r>
+          <a:r>
+            <a:rPr lang="es-ES" sz="2000" kern="1200" dirty="0" smtClean="0"/>
+            <a:t> con Compose (unificado)</a:t>
+          </a:r>
+          <a:endParaRPr lang="es-ES" sz="2000" kern="1200" dirty="0"/>
+        </a:p>
+        <a:p>
+          <a:pPr marL="228600" lvl="1" indent="-228600" algn="l" defTabSz="889000" rtl="0">
+            <a:lnSpc>
+              <a:spcPct val="90000"/>
+            </a:lnSpc>
+            <a:spcBef>
+              <a:spcPct val="0"/>
+            </a:spcBef>
+            <a:spcAft>
+              <a:spcPct val="15000"/>
+            </a:spcAft>
+            <a:buChar char="••"/>
+          </a:pPr>
+          <a:r>
+            <a:rPr lang="es-ES" sz="2000" kern="1200" dirty="0" smtClean="0"/>
+            <a:t>Activities/</a:t>
+          </a:r>
+          <a:r>
+            <a:rPr lang="es-ES" sz="2000" kern="1200" dirty="0" err="1" smtClean="0"/>
+            <a:t>Fragments</a:t>
+          </a:r>
+          <a:r>
+            <a:rPr lang="es-ES" sz="2000" kern="1200" dirty="0" smtClean="0"/>
+            <a:t> </a:t>
+          </a:r>
+          <a:r>
+            <a:rPr lang="es-ES" sz="2000" kern="1200" dirty="0" smtClean="0">
+              <a:sym typeface="Wingdings" panose="05000000000000000000" pitchFamily="2" charset="2"/>
+            </a:rPr>
+            <a:t></a:t>
+          </a:r>
+          <a:r>
+            <a:rPr lang="es-ES" sz="2000" kern="1200" dirty="0" smtClean="0"/>
+            <a:t> </a:t>
+          </a:r>
+          <a:r>
+            <a:rPr lang="es-ES" sz="2000" b="1" kern="1200" dirty="0" smtClean="0"/>
+            <a:t>MVVM</a:t>
+          </a:r>
+          <a:endParaRPr lang="es-ES" sz="2000" kern="1200" dirty="0"/>
+        </a:p>
+        <a:p>
+          <a:pPr marL="228600" lvl="1" indent="-228600" algn="l" defTabSz="889000" rtl="0">
+            <a:lnSpc>
+              <a:spcPct val="90000"/>
+            </a:lnSpc>
+            <a:spcBef>
+              <a:spcPct val="0"/>
+            </a:spcBef>
+            <a:spcAft>
+              <a:spcPct val="15000"/>
+            </a:spcAft>
+            <a:buChar char="••"/>
+          </a:pPr>
+          <a:r>
+            <a:rPr lang="es-ES" sz="2000" kern="1200" dirty="0" smtClean="0"/>
+            <a:t>Referenciado de vistas </a:t>
+          </a:r>
+          <a:r>
+            <a:rPr lang="es-ES" sz="2000" kern="1200" dirty="0" smtClean="0">
+              <a:sym typeface="Wingdings" panose="05000000000000000000" pitchFamily="2" charset="2"/>
+            </a:rPr>
+            <a:t></a:t>
+          </a:r>
+          <a:r>
+            <a:rPr lang="es-ES" sz="2000" kern="1200" dirty="0" smtClean="0"/>
+            <a:t> </a:t>
+          </a:r>
+          <a:r>
+            <a:rPr lang="es-ES" sz="2000" b="1" kern="1200" dirty="0" smtClean="0"/>
+            <a:t>UI reactiva </a:t>
+          </a:r>
+          <a:r>
+            <a:rPr lang="es-ES" sz="2000" kern="1200" dirty="0" smtClean="0"/>
+            <a:t>basada en estados</a:t>
+          </a:r>
+          <a:endParaRPr lang="es-ES" sz="2000" kern="1200" dirty="0"/>
+        </a:p>
+        <a:p>
+          <a:pPr marL="228600" lvl="1" indent="-228600" algn="l" defTabSz="889000" rtl="0">
+            <a:lnSpc>
+              <a:spcPct val="90000"/>
+            </a:lnSpc>
+            <a:spcBef>
+              <a:spcPct val="0"/>
+            </a:spcBef>
+            <a:spcAft>
+              <a:spcPct val="15000"/>
+            </a:spcAft>
+            <a:buChar char="••"/>
+          </a:pPr>
+          <a:r>
+            <a:rPr lang="es-ES" sz="2000" b="1" kern="1200" dirty="0" smtClean="0"/>
+            <a:t>Binding manual </a:t>
+          </a:r>
+          <a:r>
+            <a:rPr lang="es-ES" sz="2000" kern="1200" dirty="0" smtClean="0">
+              <a:sym typeface="Wingdings" panose="05000000000000000000" pitchFamily="2" charset="2"/>
+            </a:rPr>
+            <a:t></a:t>
+          </a:r>
+          <a:r>
+            <a:rPr lang="es-ES" sz="2000" kern="1200" dirty="0" smtClean="0"/>
+            <a:t> Código composable</a:t>
+          </a:r>
+          <a:endParaRPr lang="es-ES" sz="2000" kern="1200" dirty="0"/>
+        </a:p>
+        <a:p>
+          <a:pPr marL="228600" lvl="1" indent="-228600" algn="l" defTabSz="889000" rtl="0">
+            <a:lnSpc>
+              <a:spcPct val="90000"/>
+            </a:lnSpc>
+            <a:spcBef>
+              <a:spcPct val="0"/>
+            </a:spcBef>
+            <a:spcAft>
+              <a:spcPct val="15000"/>
+            </a:spcAft>
+            <a:buChar char="••"/>
+          </a:pPr>
+          <a:r>
+            <a:rPr lang="es-ES" sz="2000" kern="1200" dirty="0" smtClean="0"/>
+            <a:t>Optimización manual </a:t>
+          </a:r>
+          <a:r>
+            <a:rPr lang="es-ES" sz="2000" kern="1200" dirty="0" smtClean="0">
+              <a:sym typeface="Wingdings" panose="05000000000000000000" pitchFamily="2" charset="2"/>
+            </a:rPr>
+            <a:t></a:t>
+          </a:r>
+          <a:r>
+            <a:rPr lang="es-ES" sz="2000" kern="1200" dirty="0" smtClean="0"/>
+            <a:t> Compose optimiza auto.</a:t>
+          </a:r>
+          <a:endParaRPr lang="es-ES" sz="2000" kern="1200" dirty="0"/>
+        </a:p>
+        <a:p>
+          <a:pPr marL="228600" lvl="1" indent="-228600" algn="l" defTabSz="889000" rtl="0">
+            <a:lnSpc>
+              <a:spcPct val="90000"/>
+            </a:lnSpc>
+            <a:spcBef>
+              <a:spcPct val="0"/>
+            </a:spcBef>
+            <a:spcAft>
+              <a:spcPct val="15000"/>
+            </a:spcAft>
+            <a:buChar char="••"/>
+          </a:pPr>
+          <a:r>
+            <a:rPr lang="es-ES" sz="2000" kern="1200" dirty="0" smtClean="0"/>
+            <a:t>Mayor carga de animaciones </a:t>
+          </a:r>
+          <a:r>
+            <a:rPr lang="es-ES" sz="2000" kern="1200" dirty="0" smtClean="0">
+              <a:sym typeface="Wingdings" panose="05000000000000000000" pitchFamily="2" charset="2"/>
+            </a:rPr>
+            <a:t></a:t>
+          </a:r>
+          <a:r>
+            <a:rPr lang="es-ES" sz="2000" kern="1200" dirty="0" smtClean="0"/>
+            <a:t> </a:t>
+          </a:r>
+          <a:r>
+            <a:rPr lang="es-ES" sz="2000" b="1" kern="1200" dirty="0" smtClean="0"/>
+            <a:t>Animaciones más ligeras </a:t>
+          </a:r>
+          <a:r>
+            <a:rPr lang="es-ES" sz="2000" kern="1200" dirty="0" smtClean="0"/>
+            <a:t>(Compose) </a:t>
+          </a:r>
+          <a:endParaRPr lang="es-ES" sz="2000" kern="1200" dirty="0"/>
+        </a:p>
+        <a:p>
+          <a:pPr marL="228600" lvl="1" indent="-228600" algn="l" defTabSz="889000" rtl="0">
+            <a:lnSpc>
+              <a:spcPct val="90000"/>
+            </a:lnSpc>
+            <a:spcBef>
+              <a:spcPct val="0"/>
+            </a:spcBef>
+            <a:spcAft>
+              <a:spcPct val="15000"/>
+            </a:spcAft>
+            <a:buChar char="••"/>
+          </a:pPr>
+          <a:r>
+            <a:rPr lang="es-ES" sz="2000" b="1" kern="1200" dirty="0" smtClean="0"/>
+            <a:t>LiveData</a:t>
+          </a:r>
+          <a:r>
+            <a:rPr lang="es-ES" sz="2000" kern="1200" dirty="0" smtClean="0"/>
+            <a:t> </a:t>
+          </a:r>
+          <a:r>
+            <a:rPr lang="es-ES" sz="2000" kern="1200" dirty="0" smtClean="0">
+              <a:sym typeface="Wingdings" panose="05000000000000000000" pitchFamily="2" charset="2"/>
+            </a:rPr>
+            <a:t></a:t>
+          </a:r>
+          <a:r>
+            <a:rPr lang="es-ES" sz="2000" kern="1200" dirty="0" smtClean="0"/>
+            <a:t> Estados StateFlow, </a:t>
+          </a:r>
+          <a:r>
+            <a:rPr lang="es-ES" sz="2000" kern="1200" dirty="0" smtClean="0"/>
+            <a:t>Remenber</a:t>
+          </a:r>
+          <a:r>
+            <a:rPr lang="es-ES" sz="2000" kern="1200" dirty="0" smtClean="0"/>
+            <a:t>, </a:t>
+          </a:r>
+          <a:r>
+            <a:rPr lang="es-ES" sz="2000" b="1" kern="1200" dirty="0" smtClean="0"/>
+            <a:t>MutableState</a:t>
+          </a:r>
+          <a:r>
+            <a:rPr lang="es-ES" sz="2000" kern="1200" dirty="0" smtClean="0"/>
+            <a:t>, MutableStateFlow</a:t>
+          </a:r>
+          <a:endParaRPr lang="es-ES" sz="2000" kern="1200" dirty="0"/>
+        </a:p>
+      </dsp:txBody>
+      <dsp:txXfrm rot="-5400000">
+        <a:off x="992991" y="440355"/>
+        <a:ext cx="9908556" cy="2286113"/>
+      </dsp:txXfrm>
+    </dsp:sp>
+    <dsp:sp modelId="{FBC62372-0ABC-45DF-8EF4-FDB3043B191E}">
+      <dsp:nvSpPr>
+        <dsp:cNvPr id="0" name=""/>
+        <dsp:cNvSpPr/>
+      </dsp:nvSpPr>
+      <dsp:spPr>
+        <a:xfrm>
+          <a:off x="4396" y="0"/>
+          <a:ext cx="988594" cy="3166824"/>
+        </a:xfrm>
+        <a:prstGeom prst="roundRect">
+          <a:avLst/>
+        </a:prstGeom>
+        <a:solidFill>
+          <a:schemeClr val="accent1">
+            <a:hueOff val="0"/>
+            <a:satOff val="0"/>
+            <a:lumOff val="0"/>
+            <a:alphaOff val="0"/>
+          </a:schemeClr>
+        </a:solidFill>
+        <a:ln w="22225" cap="rnd" cmpd="sng" algn="ctr">
+          <a:solidFill>
+            <a:schemeClr val="lt1">
+              <a:hueOff val="0"/>
+              <a:satOff val="0"/>
+              <a:lumOff val="0"/>
+              <a:alphaOff val="0"/>
+            </a:schemeClr>
+          </a:solidFill>
+          <a:prstDash val="solid"/>
+        </a:ln>
+        <a:effectLst/>
+      </dsp:spPr>
+      <dsp:style>
+        <a:lnRef idx="2">
+          <a:scrgbClr r="0" g="0" b="0"/>
+        </a:lnRef>
+        <a:fillRef idx="1">
+          <a:scrgbClr r="0" g="0" b="0"/>
+        </a:fillRef>
+        <a:effectRef idx="0">
+          <a:scrgbClr r="0" g="0" b="0"/>
+        </a:effectRef>
+        <a:fontRef idx="minor">
+          <a:schemeClr val="lt1"/>
+        </a:fontRef>
+      </dsp:style>
+      <dsp:txBody>
+        <a:bodyPr spcFirstLastPara="0" vert="horz" wrap="square" lIns="38100" tIns="19050" rIns="38100" bIns="19050" numCol="1" spcCol="1270" anchor="ctr" anchorCtr="0">
+          <a:noAutofit/>
+        </a:bodyPr>
+        <a:lstStyle/>
+        <a:p>
+          <a:pPr lvl="0" algn="ctr" defTabSz="444500" rtl="0">
+            <a:lnSpc>
+              <a:spcPct val="90000"/>
+            </a:lnSpc>
+            <a:spcBef>
+              <a:spcPct val="0"/>
+            </a:spcBef>
+            <a:spcAft>
+              <a:spcPct val="35000"/>
+            </a:spcAft>
+          </a:pPr>
+          <a:r>
+            <a:rPr lang="es-ES" sz="1000" kern="1200" smtClean="0"/>
+            <a:t>LA TECNOLOGÍA</a:t>
+          </a:r>
+          <a:endParaRPr lang="es-ES" sz="1000" kern="1200"/>
+        </a:p>
+      </dsp:txBody>
+      <dsp:txXfrm>
+        <a:off x="52655" y="48259"/>
+        <a:ext cx="892076" cy="3070306"/>
+      </dsp:txXfrm>
+    </dsp:sp>
+  </dsp:spTree>
+</dsp:drawing>
+</file>
+
+<file path=ppt/diagrams/layout1.xml><?xml version="1.0" encoding="utf-8"?>
+<dgm:layoutDef xmlns:dgm="http://schemas.openxmlformats.org/drawingml/2006/diagram" xmlns:a="http://schemas.openxmlformats.org/drawingml/2006/main" uniqueId="urn:microsoft.com/office/officeart/2005/8/layout/vList5">
+  <dgm:title val=""/>
+  <dgm:desc val=""/>
+  <dgm:catLst>
+    <dgm:cat type="list" pri="15000"/>
+    <dgm:cat type="convert" pri="2000"/>
+  </dgm:catLst>
+  <dgm:sampData>
+    <dgm:dataModel>
+      <dgm:ptLst>
+        <dgm:pt modelId="0" type="doc"/>
+        <dgm:pt modelId="1">
+          <dgm:prSet phldr="1"/>
+        </dgm:pt>
+        <dgm:pt modelId="11">
+          <dgm:prSet phldr="1"/>
+        </dgm:pt>
+        <dgm:pt modelId="12">
+          <dgm:prSet phldr="1"/>
+        </dgm:pt>
+        <dgm:pt modelId="2">
+          <dgm:prSet phldr="1"/>
+        </dgm:pt>
+        <dgm:pt modelId="21">
+          <dgm:prSet phldr="1"/>
+        </dgm:pt>
+        <dgm:pt modelId="22">
+          <dgm:prSet phldr="1"/>
+        </dgm:pt>
+        <dgm:pt modelId="3">
+          <dgm:prSet phldr="1"/>
+        </dgm:pt>
+        <dgm:pt modelId="31">
+          <dgm:prSet phldr="1"/>
+        </dgm:pt>
+        <dgm:pt modelId="32">
+          <dgm:prSet phldr="1"/>
+        </dgm:pt>
+      </dgm:ptLst>
+      <dgm:cxnLst>
+        <dgm:cxn modelId="4" srcId="0" destId="1" srcOrd="0" destOrd="0"/>
+        <dgm:cxn modelId="5" srcId="0" destId="2" srcOrd="1" destOrd="0"/>
+        <dgm:cxn modelId="6" srcId="0" destId="3" srcOrd="2" destOrd="0"/>
+        <dgm:cxn modelId="13" srcId="1" destId="11" srcOrd="0" destOrd="0"/>
+        <dgm:cxn modelId="14" srcId="1" destId="12" srcOrd="1" destOrd="0"/>
+        <dgm:cxn modelId="23" srcId="2" destId="21" srcOrd="0" destOrd="0"/>
+        <dgm:cxn modelId="24" srcId="2" destId="22" srcOrd="1" destOrd="0"/>
+        <dgm:cxn modelId="33" srcId="3" destId="31" srcOrd="0" destOrd="0"/>
+        <dgm:cxn modelId="34" srcId="3" destId="32" srcOrd="1" destOrd="0"/>
+      </dgm:cxnLst>
+      <dgm:bg/>
+      <dgm:whole/>
+    </dgm:dataModel>
+  </dgm:sampData>
+  <dgm:styleData>
+    <dgm:dataModel>
+      <dgm:ptLst>
+        <dgm:pt modelId="0" type="doc"/>
+        <dgm:pt modelId="1"/>
+        <dgm:pt modelId="11"/>
+        <dgm:pt modelId="2"/>
+        <dgm:pt modelId="21"/>
+      </dgm:ptLst>
+      <dgm:cxnLst>
+        <dgm:cxn modelId="4" srcId="0" destId="1" srcOrd="0" destOrd="0"/>
+        <dgm:cxn modelId="5" srcId="0" destId="2" srcOrd="1" destOrd="0"/>
+        <dgm:cxn modelId="13" srcId="1" destId="11" srcOrd="0" destOrd="0"/>
+        <dgm:cxn modelId="23" srcId="2" destId="21" srcOrd="0" destOrd="0"/>
+      </dgm:cxnLst>
+      <dgm:bg/>
+      <dgm:whole/>
+    </dgm:dataModel>
+  </dgm:styleData>
+  <dgm:clrData>
+    <dgm:dataModel>
+      <dgm:ptLst>
+        <dgm:pt modelId="0" type="doc"/>
+        <dgm:pt modelId="1"/>
+        <dgm:pt modelId="11"/>
+        <dgm:pt modelId="2"/>
+        <dgm:pt modelId="21"/>
+        <dgm:pt modelId="3"/>
+        <dgm:pt modelId="31"/>
+        <dgm:pt modelId="4"/>
+        <dgm:pt modelId="41"/>
+      </dgm:ptLst>
+      <dgm:cxnLst>
+        <dgm:cxn modelId="5" srcId="0" destId="1" srcOrd="0" destOrd="0"/>
+        <dgm:cxn modelId="6" srcId="0" destId="2" srcOrd="1" destOrd="0"/>
+        <dgm:cxn modelId="7" srcId="0" destId="3" srcOrd="2" destOrd="0"/>
+        <dgm:cxn modelId="8" srcId="0" destId="4" srcOrd="3" destOrd="0"/>
+        <dgm:cxn modelId="13" srcId="1" destId="11" srcOrd="0" destOrd="0"/>
+        <dgm:cxn modelId="23" srcId="2" destId="21" srcOrd="0" destOrd="0"/>
+        <dgm:cxn modelId="33" srcId="3" destId="31" srcOrd="0" destOrd="0"/>
+        <dgm:cxn modelId="43" srcId="4" destId="41" srcOrd="0" destOrd="0"/>
+      </dgm:cxnLst>
+      <dgm:bg/>
+      <dgm:whole/>
+    </dgm:dataModel>
+  </dgm:clrData>
+  <dgm:layoutNode name="Name0">
+    <dgm:varLst>
+      <dgm:dir/>
+      <dgm:animLvl val="lvl"/>
+      <dgm:resizeHandles val="exact"/>
+    </dgm:varLst>
+    <dgm:choose name="Name1">
+      <dgm:if name="Name2" func="var" arg="dir" op="equ" val="norm">
+        <dgm:alg type="lin">
+          <dgm:param type="linDir" val="fromT"/>
+          <dgm:param type="nodeHorzAlign" val="l"/>
+        </dgm:alg>
+      </dgm:if>
+      <dgm:else name="Name3">
+        <dgm:alg type="lin">
+          <dgm:param type="linDir" val="fromT"/>
+          <dgm:param type="nodeHorzAlign" val="r"/>
+        </dgm:alg>
+      </dgm:else>
+    </dgm:choose>
+    <dgm:shape xmlns:r="http://schemas.openxmlformats.org/officeDocument/2006/relationships" r:blip="">
+      <dgm:adjLst/>
+    </dgm:shape>
+    <dgm:presOf/>
+    <dgm:constrLst>
+      <dgm:constr type="h" for="ch" forName="linNode" refType="h"/>
+      <dgm:constr type="w" for="ch" forName="linNode" refType="w"/>
+      <dgm:constr type="h" for="ch" forName="sp" refType="h" fact="0.05"/>
+      <dgm:constr type="primFontSz" for="des" forName="parentText" op="equ" val="65"/>
+      <dgm:constr type="secFontSz" for="des" forName="descendantText" op="equ"/>
+    </dgm:constrLst>
+    <dgm:ruleLst/>
+    <dgm:forEach name="Name4" axis="ch" ptType="node">
+      <dgm:layoutNode name="linNode">
+        <dgm:choose name="Name5">
+          <dgm:if name="Name6" func="var" arg="dir" op="equ" val="norm">
+            <dgm:alg type="lin">
+              <dgm:param type="linDir" val="fromL"/>
+            </dgm:alg>
+          </dgm:if>
+          <dgm:else name="Name7">
+            <dgm:alg type="lin">
+              <dgm:param type="linDir" val="fromR"/>
+            </dgm:alg>
+          </dgm:else>
+        </dgm:choose>
+        <dgm:shape xmlns:r="http://schemas.openxmlformats.org/officeDocument/2006/relationships" r:blip="">
+          <dgm:adjLst/>
+        </dgm:shape>
+        <dgm:presOf/>
+        <dgm:constrLst>
+          <dgm:constr type="w" for="ch" forName="parentText" refType="w" fact="0.36"/>
+          <dgm:constr type="w" for="ch" forName="descendantText" refType="w" fact="0.64"/>
+          <dgm:constr type="h" for="ch" forName="parentText" refType="h"/>
+          <dgm:constr type="h" for="ch" forName="descendantText" refType="h" refFor="ch" refForName="parentText" fact="0.8"/>
+        </dgm:constrLst>
+        <dgm:ruleLst/>
+        <dgm:layoutNode name="parentText">
+          <dgm:varLst>
+            <dgm:chMax val="1"/>
+            <dgm:bulletEnabled val="1"/>
+          </dgm:varLst>
+          <dgm:alg type="tx"/>
+          <dgm:shape xmlns:r="http://schemas.openxmlformats.org/officeDocument/2006/relationships" type="roundRect" r:blip="" zOrderOff="3">
+            <dgm:adjLst/>
+          </dgm:shape>
+          <dgm:presOf axis="self" ptType="node"/>
+          <dgm:constrLst>
+            <dgm:constr type="tMarg" refType="primFontSz" fact="0.15"/>
+            <dgm:constr type="bMarg" refType="primFontSz" fact="0.15"/>
+            <dgm:constr type="lMarg" refType="primFontSz" fact="0.3"/>
+            <dgm:constr type="rMarg" refType="primFontSz" fact="0.3"/>
+          </dgm:constrLst>
+          <dgm:ruleLst>
+            <dgm:rule type="primFontSz" val="5" fact="NaN" max="NaN"/>
+          </dgm:ruleLst>
+        </dgm:layoutNode>
+        <dgm:choose name="Name8">
+          <dgm:if name="Name9" axis="ch" ptType="node" func="cnt" op="gte" val="1">
+            <dgm:layoutNode name="descendantText" styleLbl="alignAccFollowNode1">
+              <dgm:varLst>
+                <dgm:bulletEnabled val="1"/>
+              </dgm:varLst>
+              <dgm:alg type="tx">
+                <dgm:param type="stBulletLvl" val="1"/>
+                <dgm:param type="txAnchorVertCh" val="mid"/>
+              </dgm:alg>
+              <dgm:choose name="Name10">
+                <dgm:if name="Name11" func="var" arg="dir" op="equ" val="norm">
+                  <dgm:shape xmlns:r="http://schemas.openxmlformats.org/officeDocument/2006/relationships" rot="90" type="round2SameRect" r:blip="">
+                    <dgm:adjLst/>
+                  </dgm:shape>
+                </dgm:if>
+                <dgm:else name="Name12">
+                  <dgm:shape xmlns:r="http://schemas.openxmlformats.org/officeDocument/2006/relationships" rot="-90" type="round2SameRect" r:blip="">
+                    <dgm:adjLst/>
+                  </dgm:shape>
+                </dgm:else>
+              </dgm:choose>
+              <dgm:presOf axis="des" ptType="node"/>
+              <dgm:constrLst>
+                <dgm:constr type="secFontSz" val="65"/>
+                <dgm:constr type="primFontSz" refType="secFontSz"/>
+                <dgm:constr type="lMarg" refType="secFontSz" fact="0.3"/>
+                <dgm:constr type="rMarg" refType="secFontSz" fact="0.3"/>
+                <dgm:constr type="tMarg" refType="secFontSz" fact="0.15"/>
+                <dgm:constr type="bMarg" refType="secFontSz" fact="0.15"/>
+              </dgm:constrLst>
+              <dgm:ruleLst>
+                <dgm:rule type="secFontSz" val="5" fact="NaN" max="NaN"/>
+              </dgm:ruleLst>
+            </dgm:layoutNode>
+          </dgm:if>
+          <dgm:else name="Name13"/>
+        </dgm:choose>
+      </dgm:layoutNode>
+      <dgm:forEach name="Name14" axis="followSib" ptType="sibTrans" cnt="1">
+        <dgm:layoutNode name="sp">
+          <dgm:alg type="sp"/>
+          <dgm:shape xmlns:r="http://schemas.openxmlformats.org/officeDocument/2006/relationships" r:blip="">
+            <dgm:adjLst/>
+          </dgm:shape>
+          <dgm:presOf/>
+          <dgm:constrLst/>
+          <dgm:ruleLst/>
+        </dgm:layoutNode>
+      </dgm:forEach>
+    </dgm:forEach>
+  </dgm:layoutNode>
+</dgm:layoutDef>
+</file>
+
+<file path=ppt/diagrams/quickStyle1.xml><?xml version="1.0" encoding="utf-8"?>
+<dgm:styleDef xmlns:dgm="http://schemas.openxmlformats.org/drawingml/2006/diagram" xmlns:a="http://schemas.openxmlformats.org/drawingml/2006/main" uniqueId="urn:microsoft.com/office/officeart/2005/8/quickstyle/simple1">
+  <dgm:title val=""/>
+  <dgm:desc val=""/>
+  <dgm:catLst>
+    <dgm:cat type="simple" pri="10100"/>
+  </dgm:catLst>
+  <dgm:scene3d>
+    <a:camera prst="orthographicFront"/>
+    <a:lightRig rig="threePt" dir="t"/>
+  </dgm:scene3d>
+  <dgm:styleLbl name="node0">
+    <dgm:scene3d>
+      <a:camera prst="orthographicFront"/>
+      <a:lightRig rig="threePt" dir="t"/>
+    </dgm:scene3d>
+    <dgm:sp3d/>
+    <dgm:txPr/>
+    <dgm:style>
+      <a:lnRef idx="2">
+        <a:scrgbClr r="0" g="0" b="0"/>
+      </a:lnRef>
+      <a:fillRef idx="1">
+        <a:scrgbClr r="0" g="0" b="0"/>
+      </a:fillRef>
+      <a:effectRef idx="0">
+        <a:scrgbClr r="0" g="0" b="0"/>
+      </a:effectRef>
+      <a:fontRef idx="minor">
+        <a:schemeClr val="lt1"/>
+      </a:fontRef>
+    </dgm:style>
+  </dgm:styleLbl>
+  <dgm:styleLbl name="lnNode1">
+    <dgm:scene3d>
+      <a:camera prst="orthographicFront"/>
+      <a:lightRig rig="threePt" dir="t"/>
+    </dgm:scene3d>
+    <dgm:sp3d/>
+    <dgm:txPr/>
+    <dgm:style>
+      <a:lnRef idx="2">
+        <a:scrgbClr r="0" g="0" b="0"/>
+      </a:lnRef>
+      <a:fillRef idx="1">
+        <a:scrgbClr r="0" g="0" b="0"/>
+      </a:fillRef>
+      <a:effectRef idx="0">
+        <a:scrgbClr r="0" g="0" b="0"/>
+      </a:effectRef>
+      <a:fontRef idx="minor">
+        <a:schemeClr val="lt1"/>
+      </a:fontRef>
+    </dgm:style>
+  </dgm:styleLbl>
+  <dgm:styleLbl name="vennNode1">
+    <dgm:scene3d>
+      <a:camera prst="orthographicFront"/>
+      <a:lightRig rig="threePt" dir="t"/>
+    </dgm:scene3d>
+    <dgm:sp3d/>
+    <dgm:txPr/>
+    <dgm:style>
+      <a:lnRef idx="2">
+        <a:scrgbClr r="0" g="0" b="0"/>
+      </a:lnRef>
+      <a:fillRef idx="1">
+        <a:scrgbClr r="0" g="0" b="0"/>
+      </a:fillRef>
+      <a:effectRef idx="0">
+        <a:scrgbClr r="0" g="0" b="0"/>
+      </a:effectRef>
+      <a:fontRef idx="minor">
+        <a:schemeClr val="tx1"/>
+      </a:fontRef>
+    </dgm:style>
+  </dgm:styleLbl>
+  <dgm:styleLbl name="alignNode1">
+    <dgm:scene3d>
+      <a:camera prst="orthographicFront"/>
+      <a:lightRig rig="threePt" dir="t"/>
+    </dgm:scene3d>
+    <dgm:sp3d/>
+    <dgm:txPr/>
+    <dgm:style>
+      <a:lnRef idx="2">
+        <a:scrgbClr r="0" g="0" b="0"/>
+      </a:lnRef>
+      <a:fillRef idx="1">
+        <a:scrgbClr r="0" g="0" b="0"/>
+      </a:fillRef>
+      <a:effectRef idx="0">
+        <a:scrgbClr r="0" g="0" b="0"/>
+      </a:effectRef>
+      <a:fontRef idx="minor">
+        <a:schemeClr val="lt1"/>
+      </a:fontRef>
+    </dgm:style>
+  </dgm:styleLbl>
+  <dgm:styleLbl name="node1">
+    <dgm:scene3d>
+      <a:camera prst="orthographicFront"/>
+      <a:lightRig rig="threePt" dir="t"/>
+    </dgm:scene3d>
+    <dgm:sp3d/>
+    <dgm:txPr/>
+    <dgm:style>
+      <a:lnRef idx="2">
+        <a:scrgbClr r="0" g="0" b="0"/>
+      </a:lnRef>
+      <a:fillRef idx="1">
+        <a:scrgbClr r="0" g="0" b="0"/>
+      </a:fillRef>
+      <a:effectRef idx="0">
+        <a:scrgbClr r="0" g="0" b="0"/>
+      </a:effectRef>
+      <a:fontRef idx="minor">
+        <a:schemeClr val="lt1"/>
+      </a:fontRef>
+    </dgm:style>
+  </dgm:styleLbl>
+  <dgm:styleLbl name="node2">
+    <dgm:scene3d>
+      <a:camera prst="orthographicFront"/>
+      <a:lightRig rig="threePt" dir="t"/>
+    </dgm:scene3d>
+    <dgm:sp3d/>
+    <dgm:txPr/>
+    <dgm:style>
+      <a:lnRef idx="2">
+        <a:scrgbClr r="0" g="0" b="0"/>
+      </a:lnRef>
+      <a:fillRef idx="1">
+        <a:scrgbClr r="0" g="0" b="0"/>
+      </a:fillRef>
+      <a:effectRef idx="0">
+        <a:scrgbClr r="0" g="0" b="0"/>
+      </a:effectRef>
+      <a:fontRef idx="minor">
+        <a:schemeClr val="lt1"/>
+      </a:fontRef>
+    </dgm:style>
+  </dgm:styleLbl>
+  <dgm:styleLbl name="node3">
+    <dgm:scene3d>
+      <a:camera prst="orthographicFront"/>
+      <a:lightRig rig="threePt" dir="t"/>
+    </dgm:scene3d>
+    <dgm:sp3d/>
+    <dgm:txPr/>
+    <dgm:style>
+      <a:lnRef idx="2">
+        <a:scrgbClr r="0" g="0" b="0"/>
+      </a:lnRef>
+      <a:fillRef idx="1">
+        <a:scrgbClr r="0" g="0" b="0"/>
+      </a:fillRef>
+      <a:effectRef idx="0">
+        <a:scrgbClr r="0" g="0" b="0"/>
+      </a:effectRef>
+      <a:fontRef idx="minor">
+        <a:schemeClr val="lt1"/>
+      </a:fontRef>
+    </dgm:style>
+  </dgm:styleLbl>
+  <dgm:styleLbl name="node4">
+    <dgm:scene3d>
+      <a:camera prst="orthographicFront"/>
+      <a:lightRig rig="threePt" dir="t"/>
+    </dgm:scene3d>
+    <dgm:sp3d/>
+    <dgm:txPr/>
+    <dgm:style>
+      <a:lnRef idx="2">
+        <a:scrgbClr r="0" g="0" b="0"/>
+      </a:lnRef>
+      <a:fillRef idx="1">
+        <a:scrgbClr r="0" g="0" b="0"/>
+      </a:fillRef>
+      <a:effectRef idx="0">
+        <a:scrgbClr r="0" g="0" b="0"/>
+      </a:effectRef>
+      <a:fontRef idx="minor">
+        <a:schemeClr val="lt1"/>
+      </a:fontRef>
+    </dgm:style>
+  </dgm:styleLbl>
+  <dgm:styleLbl name="fgImgPlace1">
+    <dgm:scene3d>
+      <a:camera prst="orthographicFront"/>
+      <a:lightRig rig="threePt" dir="t"/>
+    </dgm:scene3d>
+    <dgm:sp3d/>
+    <dgm:txPr/>
+    <dgm:style>
+      <a:lnRef idx="2">
+        <a:scrgbClr r="0" g="0" b="0"/>
+      </a:lnRef>
+      <a:fillRef idx="1">
+        <a:scrgbClr r="0" g="0" b="0"/>
+      </a:fillRef>
+      <a:effectRef idx="0">
+        <a:scrgbClr r="0" g="0" b="0"/>
+      </a:effectRef>
+      <a:fontRef idx="minor"/>
+    </dgm:style>
+  </dgm:styleLbl>
+  <dgm:styleLbl name="alignImgPlace1">
+    <dgm:scene3d>
+      <a:camera prst="orthographicFront"/>
+      <a:lightRig rig="threePt" dir="t"/>
+    </dgm:scene3d>
+    <dgm:sp3d/>
+    <dgm:txPr/>
+    <dgm:style>
+      <a:lnRef idx="2">
+        <a:scrgbClr r="0" g="0" b="0"/>
+      </a:lnRef>
+      <a:fillRef idx="1">
+        <a:scrgbClr r="0" g="0" b="0"/>
+      </a:fillRef>
+      <a:effectRef idx="0">
+        <a:scrgbClr r="0" g="0" b="0"/>
+      </a:effectRef>
+      <a:fontRef idx="minor"/>
+    </dgm:style>
+  </dgm:styleLbl>
+  <dgm:styleLbl name="bgImgPlace1">
+    <dgm:scene3d>
+      <a:camera prst="orthographicFront"/>
+      <a:lightRig rig="threePt" dir="t"/>
+    </dgm:scene3d>
+    <dgm:sp3d/>
+    <dgm:txPr/>
+    <dgm:style>
+      <a:lnRef idx="2">
+        <a:scrgbClr r="0" g="0" b="0"/>
+      </a:lnRef>
+      <a:fillRef idx="1">
+        <a:scrgbClr r="0" g="0" b="0"/>
+      </a:fillRef>
+      <a:effectRef idx="0">
+        <a:scrgbClr r="0" g="0" b="0"/>
+      </a:effectRef>
+      <a:fontRef idx="minor"/>
+    </dgm:style>
+  </dgm:styleLbl>
+  <dgm:styleLbl name="sibTrans2D1">
+    <dgm:scene3d>
+      <a:camera prst="orthographicFront"/>
+      <a:lightRig rig="threePt" dir="t"/>
+    </dgm:scene3d>
+    <dgm:sp3d/>
+    <dgm:txPr/>
+    <dgm:style>
+      <a:lnRef idx="0">
+        <a:scrgbClr r="0" g="0" b="0"/>
+      </a:lnRef>
+      <a:fillRef idx="1">
+        <a:scrgbClr r="0" g="0" b="0"/>
+      </a:fillRef>
+      <a:effectRef idx="0">
+        <a:scrgbClr r="0" g="0" b="0"/>
+      </a:effectRef>
+      <a:fontRef idx="minor">
+        <a:schemeClr val="lt1"/>
+      </a:fontRef>
+    </dgm:style>
+  </dgm:styleLbl>
+  <dgm:styleLbl name="fgSibTrans2D1">
+    <dgm:scene3d>
+      <a:camera prst="orthographicFront"/>
+      <a:lightRig rig="threePt" dir="t"/>
+    </dgm:scene3d>
+    <dgm:sp3d/>
+    <dgm:txPr/>
+    <dgm:style>
+      <a:lnRef idx="0">
+        <a:scrgbClr r="0" g="0" b="0"/>
+      </a:lnRef>
+      <a:fillRef idx="1">
+        <a:scrgbClr r="0" g="0" b="0"/>
+      </a:fillRef>
+      <a:effectRef idx="0">
+        <a:scrgbClr r="0" g="0" b="0"/>
+      </a:effectRef>
+      <a:fontRef idx="minor">
+        <a:schemeClr val="lt1"/>
+      </a:fontRef>
+    </dgm:style>
+  </dgm:styleLbl>
+  <dgm:styleLbl name="bgSibTrans2D1">
+    <dgm:scene3d>
+      <a:camera prst="orthographicFront"/>
+      <a:lightRig rig="threePt" dir="t"/>
+    </dgm:scene3d>
+    <dgm:sp3d/>
+    <dgm:txPr/>
+    <dgm:style>
+      <a:lnRef idx="0">
+        <a:scrgbClr r="0" g="0" b="0"/>
+      </a:lnRef>
+      <a:fillRef idx="1">
+        <a:scrgbClr r="0" g="0" b="0"/>
+      </a:fillRef>
+      <a:effectRef idx="0">
+        <a:scrgbClr r="0" g="0" b="0"/>
+      </a:effectRef>
+      <a:fontRef idx="minor">
+        <a:schemeClr val="lt1"/>
+      </a:fontRef>
+    </dgm:style>
+  </dgm:styleLbl>
+  <dgm:styleLbl name="sibTrans1D1">
+    <dgm:scene3d>
+      <a:camera prst="orthographicFront"/>
+      <a:lightRig rig="threePt" dir="t"/>
+    </dgm:scene3d>
+    <dgm:sp3d/>
+    <dgm:txPr/>
+    <dgm:style>
+      <a:lnRef idx="1">
+        <a:scrgbClr r="0" g="0" b="0"/>
+      </a:lnRef>
+      <a:fillRef idx="0">
+        <a:scrgbClr r="0" g="0" b="0"/>
+      </a:fillRef>
+      <a:effectRef idx="0">
+        <a:scrgbClr r="0" g="0" b="0"/>
+      </a:effectRef>
+      <a:fontRef idx="minor"/>
+    </dgm:style>
+  </dgm:styleLbl>
+  <dgm:styleLbl name="callout">
+    <dgm:scene3d>
+      <a:camera prst="orthographicFront"/>
+      <a:lightRig rig="threePt" dir="t"/>
+    </dgm:scene3d>
+    <dgm:sp3d/>
+    <dgm:txPr/>
+    <dgm:style>
+      <a:lnRef idx="2">
+        <a:scrgbClr r="0" g="0" b="0"/>
+      </a:lnRef>
+      <a:fillRef idx="1">
+        <a:scrgbClr r="0" g="0" b="0"/>
+      </a:fillRef>
+      <a:effectRef idx="0">
+        <a:scrgbClr r="0" g="0" b="0"/>
+      </a:effectRef>
+      <a:fontRef idx="minor"/>
+    </dgm:style>
+  </dgm:styleLbl>
+  <dgm:styleLbl name="asst0">
+    <dgm:scene3d>
+      <a:camera prst="orthographicFront"/>
+      <a:lightRig rig="threePt" dir="t"/>
+    </dgm:scene3d>
+    <dgm:sp3d/>
+    <dgm:txPr/>
+    <dgm:style>
+      <a:lnRef idx="2">
+        <a:scrgbClr r="0" g="0" b="0"/>
+      </a:lnRef>
+      <a:fillRef idx="1">
+        <a:scrgbClr r="0" g="0" b="0"/>
+      </a:fillRef>
+      <a:effectRef idx="0">
+        <a:scrgbClr r="0" g="0" b="0"/>
+      </a:effectRef>
+      <a:fontRef idx="minor">
+        <a:schemeClr val="lt1"/>
+      </a:fontRef>
+    </dgm:style>
+  </dgm:styleLbl>
+  <dgm:styleLbl name="asst1">
+    <dgm:scene3d>
+      <a:camera prst="orthographicFront"/>
+      <a:lightRig rig="threePt" dir="t"/>
+    </dgm:scene3d>
+    <dgm:sp3d/>
+    <dgm:txPr/>
+    <dgm:style>
+      <a:lnRef idx="2">
+        <a:scrgbClr r="0" g="0" b="0"/>
+      </a:lnRef>
+      <a:fillRef idx="1">
+        <a:scrgbClr r="0" g="0" b="0"/>
+      </a:fillRef>
+      <a:effectRef idx="0">
+        <a:scrgbClr r="0" g="0" b="0"/>
+      </a:effectRef>
+      <a:fontRef idx="minor">
+        <a:schemeClr val="lt1"/>
+      </a:fontRef>
+    </dgm:style>
+  </dgm:styleLbl>
+  <dgm:styleLbl name="asst2">
+    <dgm:scene3d>
+      <a:camera prst="orthographicFront"/>
+      <a:lightRig rig="threePt" dir="t"/>
+    </dgm:scene3d>
+    <dgm:sp3d/>
+    <dgm:txPr/>
+    <dgm:style>
+      <a:lnRef idx="2">
+        <a:scrgbClr r="0" g="0" b="0"/>
+      </a:lnRef>
+      <a:fillRef idx="1">
+        <a:scrgbClr r="0" g="0" b="0"/>
+      </a:fillRef>
+      <a:effectRef idx="0">
+        <a:scrgbClr r="0" g="0" b="0"/>
+      </a:effectRef>
+      <a:fontRef idx="minor">
+        <a:schemeClr val="lt1"/>
+      </a:fontRef>
+    </dgm:style>
+  </dgm:styleLbl>
+  <dgm:styleLbl name="asst3">
+    <dgm:scene3d>
+      <a:camera prst="orthographicFront"/>
+      <a:lightRig rig="threePt" dir="t"/>
+    </dgm:scene3d>
+    <dgm:sp3d/>
+    <dgm:txPr/>
+    <dgm:style>
+      <a:lnRef idx="2">
+        <a:scrgbClr r="0" g="0" b="0"/>
+      </a:lnRef>
+      <a:fillRef idx="1">
+        <a:scrgbClr r="0" g="0" b="0"/>
+      </a:fillRef>
+      <a:effectRef idx="0">
+        <a:scrgbClr r="0" g="0" b="0"/>
+      </a:effectRef>
+      <a:fontRef idx="minor">
+        <a:schemeClr val="lt1"/>
+      </a:fontRef>
+    </dgm:style>
+  </dgm:styleLbl>
+  <dgm:styleLbl name="asst4">
+    <dgm:scene3d>
+      <a:camera prst="orthographicFront"/>
+      <a:lightRig rig="threePt" dir="t"/>
+    </dgm:scene3d>
+    <dgm:sp3d/>
+    <dgm:txPr/>
+    <dgm:style>
+      <a:lnRef idx="2">
+        <a:scrgbClr r="0" g="0" b="0"/>
+      </a:lnRef>
+      <a:fillRef idx="1">
+        <a:scrgbClr r="0" g="0" b="0"/>
+      </a:fillRef>
+      <a:effectRef idx="0">
+        <a:scrgbClr r="0" g="0" b="0"/>
+      </a:effectRef>
+      <a:fontRef idx="minor">
+        <a:schemeClr val="lt1"/>
+      </a:fontRef>
+    </dgm:style>
+  </dgm:styleLbl>
+  <dgm:styleLbl name="parChTrans2D1">
+    <dgm:scene3d>
+      <a:camera prst="orthographicFront"/>
+      <a:lightRig rig="threePt" dir="t"/>
+    </dgm:scene3d>
+    <dgm:sp3d/>
+    <dgm:txPr/>
+    <dgm:style>
+      <a:lnRef idx="2">
+        <a:scrgbClr r="0" g="0" b="0"/>
+      </a:lnRef>
+      <a:fillRef idx="1">
+        <a:scrgbClr r="0" g="0" b="0"/>
+      </a:fillRef>
+      <a:effectRef idx="0">
+        <a:scrgbClr r="0" g="0" b="0"/>
+      </a:effectRef>
+      <a:fontRef idx="minor">
+        <a:schemeClr val="lt1"/>
+      </a:fontRef>
+    </dgm:style>
+  </dgm:styleLbl>
+  <dgm:styleLbl name="parChTrans2D2">
+    <dgm:scene3d>
+      <a:camera prst="orthographicFront"/>
+      <a:lightRig rig="threePt" dir="t"/>
+    </dgm:scene3d>
+    <dgm:sp3d/>
+    <dgm:txPr/>
+    <dgm:style>
+      <a:lnRef idx="2">
+        <a:scrgbClr r="0" g="0" b="0"/>
+      </a:lnRef>
+      <a:fillRef idx="1">
+        <a:scrgbClr r="0" g="0" b="0"/>
+      </a:fillRef>
+      <a:effectRef idx="0">
+        <a:scrgbClr r="0" g="0" b="0"/>
+      </a:effectRef>
+      <a:fontRef idx="minor">
+        <a:schemeClr val="lt1"/>
+      </a:fontRef>
+    </dgm:style>
+  </dgm:styleLbl>
+  <dgm:styleLbl name="parChTrans2D3">
+    <dgm:scene3d>
+      <a:camera prst="orthographicFront"/>
+      <a:lightRig rig="threePt" dir="t"/>
+    </dgm:scene3d>
+    <dgm:sp3d/>
+    <dgm:txPr/>
+    <dgm:style>
+      <a:lnRef idx="2">
+        <a:scrgbClr r="0" g="0" b="0"/>
+      </a:lnRef>
+      <a:fillRef idx="1">
+        <a:scrgbClr r="0" g="0" b="0"/>
+      </a:fillRef>
+      <a:effectRef idx="0">
+        <a:scrgbClr r="0" g="0" b="0"/>
+      </a:effectRef>
+      <a:fontRef idx="minor">
+        <a:schemeClr val="lt1"/>
+      </a:fontRef>
+    </dgm:style>
+  </dgm:styleLbl>
+  <dgm:styleLbl name="parChTrans2D4">
+    <dgm:scene3d>
+      <a:camera prst="orthographicFront"/>
+      <a:lightRig rig="threePt" dir="t"/>
+    </dgm:scene3d>
+    <dgm:sp3d/>
+    <dgm:txPr/>
+    <dgm:style>
+      <a:lnRef idx="2">
+        <a:scrgbClr r="0" g="0" b="0"/>
+      </a:lnRef>
+      <a:fillRef idx="1">
+        <a:scrgbClr r="0" g="0" b="0"/>
+      </a:fillRef>
+      <a:effectRef idx="0">
+        <a:scrgbClr r="0" g="0" b="0"/>
+      </a:effectRef>
+      <a:fontRef idx="minor">
+        <a:schemeClr val="lt1"/>
+      </a:fontRef>
+    </dgm:style>
+  </dgm:styleLbl>
+  <dgm:styleLbl name="parChTrans1D1">
+    <dgm:scene3d>
+      <a:camera prst="orthographicFront"/>
+      <a:lightRig rig="threePt" dir="t"/>
+    </dgm:scene3d>
+    <dgm:sp3d/>
+    <dgm:txPr/>
+    <dgm:style>
+      <a:lnRef idx="2">
+        <a:scrgbClr r="0" g="0" b="0"/>
+      </a:lnRef>
+      <a:fillRef idx="0">
+        <a:scrgbClr r="0" g="0" b="0"/>
+      </a:fillRef>
+      <a:effectRef idx="0">
+        <a:scrgbClr r="0" g="0" b="0"/>
+      </a:effectRef>
+      <a:fontRef idx="minor"/>
+    </dgm:style>
+  </dgm:styleLbl>
+  <dgm:styleLbl name="parChTrans1D2">
+    <dgm:scene3d>
+      <a:camera prst="orthographicFront"/>
+      <a:lightRig rig="threePt" dir="t"/>
+    </dgm:scene3d>
+    <dgm:sp3d/>
+    <dgm:txPr/>
+    <dgm:style>
+      <a:lnRef idx="2">
+        <a:scrgbClr r="0" g="0" b="0"/>
+      </a:lnRef>
+      <a:fillRef idx="0">
+        <a:scrgbClr r="0" g="0" b="0"/>
+      </a:fillRef>
+      <a:effectRef idx="0">
+        <a:scrgbClr r="0" g="0" b="0"/>
+      </a:effectRef>
+      <a:fontRef idx="minor"/>
+    </dgm:style>
+  </dgm:styleLbl>
+  <dgm:styleLbl name="parChTrans1D3">
+    <dgm:scene3d>
+      <a:camera prst="orthographicFront"/>
+      <a:lightRig rig="threePt" dir="t"/>
+    </dgm:scene3d>
+    <dgm:sp3d/>
+    <dgm:txPr/>
+    <dgm:style>
+      <a:lnRef idx="2">
+        <a:scrgbClr r="0" g="0" b="0"/>
+      </a:lnRef>
+      <a:fillRef idx="0">
+        <a:scrgbClr r="0" g="0" b="0"/>
+      </a:fillRef>
+      <a:effectRef idx="0">
+        <a:scrgbClr r="0" g="0" b="0"/>
+      </a:effectRef>
+      <a:fontRef idx="minor"/>
+    </dgm:style>
+  </dgm:styleLbl>
+  <dgm:styleLbl name="parChTrans1D4">
+    <dgm:scene3d>
+      <a:camera prst="orthographicFront"/>
+      <a:lightRig rig="threePt" dir="t"/>
+    </dgm:scene3d>
+    <dgm:sp3d/>
+    <dgm:txPr/>
+    <dgm:style>
+      <a:lnRef idx="2">
+        <a:scrgbClr r="0" g="0" b="0"/>
+      </a:lnRef>
+      <a:fillRef idx="0">
+        <a:scrgbClr r="0" g="0" b="0"/>
+      </a:fillRef>
+      <a:effectRef idx="0">
+        <a:scrgbClr r="0" g="0" b="0"/>
+      </a:effectRef>
+      <a:fontRef idx="minor"/>
+    </dgm:style>
+  </dgm:styleLbl>
+  <dgm:styleLbl name="fgAcc1">
+    <dgm:scene3d>
+      <a:camera prst="orthographicFront"/>
+      <a:lightRig rig="threePt" dir="t"/>
+    </dgm:scene3d>
+    <dgm:sp3d/>
+    <dgm:txPr/>
+    <dgm:style>
+      <a:lnRef idx="2">
+        <a:scrgbClr r="0" g="0" b="0"/>
+      </a:lnRef>
+      <a:fillRef idx="1">
+        <a:scrgbClr r="0" g="0" b="0"/>
+      </a:fillRef>
+      <a:effectRef idx="0">
+        <a:scrgbClr r="0" g="0" b="0"/>
+      </a:effectRef>
+      <a:fontRef idx="minor"/>
+    </dgm:style>
+  </dgm:styleLbl>
+  <dgm:styleLbl name="conFgAcc1">
+    <dgm:scene3d>
+      <a:camera prst="orthographicFront"/>
+      <a:lightRig rig="threePt" dir="t"/>
+    </dgm:scene3d>
+    <dgm:sp3d/>
+    <dgm:txPr/>
+    <dgm:style>
+      <a:lnRef idx="2">
+        <a:scrgbClr r="0" g="0" b="0"/>
+      </a:lnRef>
+      <a:fillRef idx="1">
+        <a:scrgbClr r="0" g="0" b="0"/>
+      </a:fillRef>
+      <a:effectRef idx="0">
+        <a:scrgbClr r="0" g="0" b="0"/>
+      </a:effectRef>
+      <a:fontRef idx="minor"/>
+    </dgm:style>
+  </dgm:styleLbl>
+  <dgm:styleLbl name="alignAcc1">
+    <dgm:scene3d>
+      <a:camera prst="orthographicFront"/>
+      <a:lightRig rig="threePt" dir="t"/>
+    </dgm:scene3d>
+    <dgm:sp3d/>
+    <dgm:txPr/>
+    <dgm:style>
+      <a:lnRef idx="2">
+        <a:scrgbClr r="0" g="0" b="0"/>
+      </a:lnRef>
+      <a:fillRef idx="1">
+        <a:scrgbClr r="0" g="0" b="0"/>
+      </a:fillRef>
+      <a:effectRef idx="0">
+        <a:scrgbClr r="0" g="0" b="0"/>
+      </a:effectRef>
+      <a:fontRef idx="minor"/>
+    </dgm:style>
+  </dgm:styleLbl>
+  <dgm:styleLbl name="trAlignAcc1">
+    <dgm:scene3d>
+      <a:camera prst="orthographicFront"/>
+      <a:lightRig rig="threePt" dir="t"/>
+    </dgm:scene3d>
+    <dgm:sp3d/>
+    <dgm:txPr/>
+    <dgm:style>
+      <a:lnRef idx="1">
+        <a:scrgbClr r="0" g="0" b="0"/>
+      </a:lnRef>
+      <a:fillRef idx="1">
+        <a:scrgbClr r="0" g="0" b="0"/>
+      </a:fillRef>
+      <a:effectRef idx="0">
+        <a:scrgbClr r="0" g="0" b="0"/>
+      </a:effectRef>
+      <a:fontRef idx="minor"/>
+    </dgm:style>
+  </dgm:styleLbl>
+  <dgm:styleLbl name="bgAcc1">
+    <dgm:scene3d>
+      <a:camera prst="orthographicFront"/>
+      <a:lightRig rig="threePt" dir="t"/>
+    </dgm:scene3d>
+    <dgm:sp3d/>
+    <dgm:txPr/>
+    <dgm:style>
+      <a:lnRef idx="2">
+        <a:scrgbClr r="0" g="0" b="0"/>
+      </a:lnRef>
+      <a:fillRef idx="1">
+        <a:scrgbClr r="0" g="0" b="0"/>
+      </a:fillRef>
+      <a:effectRef idx="0">
+        <a:scrgbClr r="0" g="0" b="0"/>
+      </a:effectRef>
+      <a:fontRef idx="minor"/>
+    </dgm:style>
+  </dgm:styleLbl>
+  <dgm:styleLbl name="solidFgAcc1">
+    <dgm:scene3d>
+      <a:camera prst="orthographicFront"/>
+      <a:lightRig rig="threePt" dir="t"/>
+    </dgm:scene3d>
+    <dgm:sp3d/>
+    <dgm:txPr/>
+    <dgm:style>
+      <a:lnRef idx="2">
+        <a:scrgbClr r="0" g="0" b="0"/>
+      </a:lnRef>
+      <a:fillRef idx="1">
+        <a:scrgbClr r="0" g="0" b="0"/>
+      </a:fillRef>
+      <a:effectRef idx="0">
+        <a:scrgbClr r="0" g="0" b="0"/>
+      </a:effectRef>
+      <a:fontRef idx="minor"/>
+    </dgm:style>
+  </dgm:styleLbl>
+  <dgm:styleLbl name="solidAlignAcc1">
+    <dgm:scene3d>
+      <a:camera prst="orthographicFront"/>
+      <a:lightRig rig="threePt" dir="t"/>
+    </dgm:scene3d>
+    <dgm:sp3d/>
+    <dgm:txPr/>
+    <dgm:style>
+      <a:lnRef idx="2">
+        <a:scrgbClr r="0" g="0" b="0"/>
+      </a:lnRef>
+      <a:fillRef idx="1">
+        <a:scrgbClr r="0" g="0" b="0"/>
+      </a:fillRef>
+      <a:effectRef idx="0">
+        <a:scrgbClr r="0" g="0" b="0"/>
+      </a:effectRef>
+      <a:fontRef idx="minor"/>
+    </dgm:style>
+  </dgm:styleLbl>
+  <dgm:styleLbl name="solidBgAcc1">
+    <dgm:scene3d>
+      <a:camera prst="orthographicFront"/>
+      <a:lightRig rig="threePt" dir="t"/>
+    </dgm:scene3d>
+    <dgm:sp3d/>
+    <dgm:txPr/>
+    <dgm:style>
+      <a:lnRef idx="2">
+        <a:scrgbClr r="0" g="0" b="0"/>
+      </a:lnRef>
+      <a:fillRef idx="1">
+        <a:scrgbClr r="0" g="0" b="0"/>
+      </a:fillRef>
+      <a:effectRef idx="0">
+        <a:scrgbClr r="0" g="0" b="0"/>
+      </a:effectRef>
+      <a:fontRef idx="minor"/>
+    </dgm:style>
+  </dgm:styleLbl>
+  <dgm:styleLbl name="fgAccFollowNode1">
+    <dgm:scene3d>
+      <a:camera prst="orthographicFront"/>
+      <a:lightRig rig="threePt" dir="t"/>
+    </dgm:scene3d>
+    <dgm:sp3d/>
+    <dgm:txPr/>
+    <dgm:style>
+      <a:lnRef idx="2">
+        <a:scrgbClr r="0" g="0" b="0"/>
+      </a:lnRef>
+      <a:fillRef idx="1">
+        <a:scrgbClr r="0" g="0" b="0"/>
+      </a:fillRef>
+      <a:effectRef idx="0">
+        <a:scrgbClr r="0" g="0" b="0"/>
+      </a:effectRef>
+      <a:fontRef idx="minor"/>
+    </dgm:style>
+  </dgm:styleLbl>
+  <dgm:styleLbl name="alignAccFollowNode1">
+    <dgm:scene3d>
+      <a:camera prst="orthographicFront"/>
+      <a:lightRig rig="threePt" dir="t"/>
+    </dgm:scene3d>
+    <dgm:sp3d/>
+    <dgm:txPr/>
+    <dgm:style>
+      <a:lnRef idx="2">
+        <a:scrgbClr r="0" g="0" b="0"/>
+      </a:lnRef>
+      <a:fillRef idx="1">
+        <a:scrgbClr r="0" g="0" b="0"/>
+      </a:fillRef>
+      <a:effectRef idx="0">
+        <a:scrgbClr r="0" g="0" b="0"/>
+      </a:effectRef>
+      <a:fontRef idx="minor"/>
+    </dgm:style>
+  </dgm:styleLbl>
+  <dgm:styleLbl name="bgAccFollowNode1">
+    <dgm:scene3d>
+      <a:camera prst="orthographicFront"/>
+      <a:lightRig rig="threePt" dir="t"/>
+    </dgm:scene3d>
+    <dgm:sp3d/>
+    <dgm:txPr/>
+    <dgm:style>
+      <a:lnRef idx="2">
+        <a:scrgbClr r="0" g="0" b="0"/>
+      </a:lnRef>
+      <a:fillRef idx="1">
+        <a:scrgbClr r="0" g="0" b="0"/>
+      </a:fillRef>
+      <a:effectRef idx="0">
+        <a:scrgbClr r="0" g="0" b="0"/>
+      </a:effectRef>
+      <a:fontRef idx="minor"/>
+    </dgm:style>
+  </dgm:styleLbl>
+  <dgm:styleLbl name="fgAcc0">
+    <dgm:scene3d>
+      <a:camera prst="orthographicFront"/>
+      <a:lightRig rig="threePt" dir="t"/>
+    </dgm:scene3d>
+    <dgm:sp3d/>
+    <dgm:txPr/>
+    <dgm:style>
+      <a:lnRef idx="2">
+        <a:scrgbClr r="0" g="0" b="0"/>
+      </a:lnRef>
+      <a:fillRef idx="1">
+        <a:scrgbClr r="0" g="0" b="0"/>
+      </a:fillRef>
+      <a:effectRef idx="0">
+        <a:scrgbClr r="0" g="0" b="0"/>
+      </a:effectRef>
+      <a:fontRef idx="minor"/>
+    </dgm:style>
+  </dgm:styleLbl>
+  <dgm:styleLbl name="fgAcc2">
+    <dgm:scene3d>
+      <a:camera prst="orthographicFront"/>
+      <a:lightRig rig="threePt" dir="t"/>
+    </dgm:scene3d>
+    <dgm:sp3d/>
+    <dgm:txPr/>
+    <dgm:style>
+      <a:lnRef idx="2">
+        <a:scrgbClr r="0" g="0" b="0"/>
+      </a:lnRef>
+      <a:fillRef idx="1">
+        <a:scrgbClr r="0" g="0" b="0"/>
+      </a:fillRef>
+      <a:effectRef idx="0">
+        <a:scrgbClr r="0" g="0" b="0"/>
+      </a:effectRef>
+      <a:fontRef idx="minor"/>
+    </dgm:style>
+  </dgm:styleLbl>
+  <dgm:styleLbl name="fgAcc3">
+    <dgm:scene3d>
+      <a:camera prst="orthographicFront"/>
+      <a:lightRig rig="threePt" dir="t"/>
+    </dgm:scene3d>
+    <dgm:sp3d/>
+    <dgm:txPr/>
+    <dgm:style>
+      <a:lnRef idx="2">
+        <a:scrgbClr r="0" g="0" b="0"/>
+      </a:lnRef>
+      <a:fillRef idx="1">
+        <a:scrgbClr r="0" g="0" b="0"/>
+      </a:fillRef>
+      <a:effectRef idx="0">
+        <a:scrgbClr r="0" g="0" b="0"/>
+      </a:effectRef>
+      <a:fontRef idx="minor"/>
+    </dgm:style>
+  </dgm:styleLbl>
+  <dgm:styleLbl name="fgAcc4">
+    <dgm:scene3d>
+      <a:camera prst="orthographicFront"/>
+      <a:lightRig rig="threePt" dir="t"/>
+    </dgm:scene3d>
+    <dgm:sp3d/>
+    <dgm:txPr/>
+    <dgm:style>
+      <a:lnRef idx="2">
+        <a:scrgbClr r="0" g="0" b="0"/>
+      </a:lnRef>
+      <a:fillRef idx="1">
+        <a:scrgbClr r="0" g="0" b="0"/>
+      </a:fillRef>
+      <a:effectRef idx="0">
+        <a:scrgbClr r="0" g="0" b="0"/>
+      </a:effectRef>
+      <a:fontRef idx="minor"/>
+    </dgm:style>
+  </dgm:styleLbl>
+  <dgm:styleLbl name="bgShp">
+    <dgm:scene3d>
+      <a:camera prst="orthographicFront"/>
+      <a:lightRig rig="threePt" dir="t"/>
+    </dgm:scene3d>
+    <dgm:sp3d/>
+    <dgm:txPr/>
+    <dgm:style>
+      <a:lnRef idx="0">
+        <a:scrgbClr r="0" g="0" b="0"/>
+      </a:lnRef>
+      <a:fillRef idx="1">
+        <a:scrgbClr r="0" g="0" b="0"/>
+      </a:fillRef>
+      <a:effectRef idx="0">
+        <a:scrgbClr r="0" g="0" b="0"/>
+      </a:effectRef>
+      <a:fontRef idx="minor"/>
+    </dgm:style>
+  </dgm:styleLbl>
+  <dgm:styleLbl name="dkBgShp">
+    <dgm:scene3d>
+      <a:camera prst="orthographicFront"/>
+      <a:lightRig rig="threePt" dir="t"/>
+    </dgm:scene3d>
+    <dgm:sp3d/>
+    <dgm:txPr/>
+    <dgm:style>
+      <a:lnRef idx="0">
+        <a:scrgbClr r="0" g="0" b="0"/>
+      </a:lnRef>
+      <a:fillRef idx="1">
+        <a:scrgbClr r="0" g="0" b="0"/>
+      </a:fillRef>
+      <a:effectRef idx="0">
+        <a:scrgbClr r="0" g="0" b="0"/>
+      </a:effectRef>
+      <a:fontRef idx="minor"/>
+    </dgm:style>
+  </dgm:styleLbl>
+  <dgm:styleLbl name="trBgShp">
+    <dgm:scene3d>
+      <a:camera prst="orthographicFront"/>
+      <a:lightRig rig="threePt" dir="t"/>
+    </dgm:scene3d>
+    <dgm:sp3d/>
+    <dgm:txPr/>
+    <dgm:style>
+      <a:lnRef idx="0">
+        <a:scrgbClr r="0" g="0" b="0"/>
+      </a:lnRef>
+      <a:fillRef idx="1">
+        <a:scrgbClr r="0" g="0" b="0"/>
+      </a:fillRef>
+      <a:effectRef idx="0">
+        <a:scrgbClr r="0" g="0" b="0"/>
+      </a:effectRef>
+      <a:fontRef idx="minor"/>
+    </dgm:style>
+  </dgm:styleLbl>
+  <dgm:styleLbl name="fgShp">
+    <dgm:scene3d>
+      <a:camera prst="orthographicFront"/>
+      <a:lightRig rig="threePt" dir="t"/>
+    </dgm:scene3d>
+    <dgm:sp3d/>
+    <dgm:txPr/>
+    <dgm:style>
+      <a:lnRef idx="2">
+        <a:scrgbClr r="0" g="0" b="0"/>
+      </a:lnRef>
+      <a:fillRef idx="1">
+        <a:scrgbClr r="0" g="0" b="0"/>
+      </a:fillRef>
+      <a:effectRef idx="0">
+        <a:scrgbClr r="0" g="0" b="0"/>
+      </a:effectRef>
+      <a:fontRef idx="minor"/>
+    </dgm:style>
+  </dgm:styleLbl>
+  <dgm:styleLbl name="revTx">
+    <dgm:scene3d>
+      <a:camera prst="orthographicFront"/>
+      <a:lightRig rig="threePt" dir="t"/>
+    </dgm:scene3d>
+    <dgm:sp3d/>
+    <dgm:txPr/>
+    <dgm:style>
+      <a:lnRef idx="0">
+        <a:scrgbClr r="0" g="0" b="0"/>
+      </a:lnRef>
+      <a:fillRef idx="0">
+        <a:scrgbClr r="0" g="0" b="0"/>
+      </a:fillRef>
+      <a:effectRef idx="0">
+        <a:scrgbClr r="0" g="0" b="0"/>
+      </a:effectRef>
+      <a:fontRef idx="minor"/>
+    </dgm:style>
+  </dgm:styleLbl>
+</dgm:styleDef>
+</file>
+
 <file path=ppt/slideLayouts/slideLayout1.xml><?xml version="1.0" encoding="utf-8"?>
 <p:sldLayout xmlns:a="http://schemas.openxmlformats.org/drawingml/2006/main" xmlns:r="http://schemas.openxmlformats.org/officeDocument/2006/relationships" xmlns:p="http://schemas.openxmlformats.org/presentationml/2006/main" type="title" preserve="1">
   <p:cSld name="Diapositiva de título">
@@ -366,7 +3334,7 @@
           <a:p>
             <a:fld id="{B6CC025B-9383-44F1-93B5-F19722BC5653}" type="datetimeFigureOut">
               <a:rPr lang="es-ES" smtClean="0"/>
-              <a:t>08/12/2025</a:t>
+              <a:t>12/12/2025</a:t>
             </a:fld>
             <a:endParaRPr lang="es-ES"/>
           </a:p>
@@ -628,7 +3596,7 @@
           <a:p>
             <a:fld id="{B6CC025B-9383-44F1-93B5-F19722BC5653}" type="datetimeFigureOut">
               <a:rPr lang="es-ES" smtClean="0"/>
-              <a:t>08/12/2025</a:t>
+              <a:t>12/12/2025</a:t>
             </a:fld>
             <a:endParaRPr lang="es-ES"/>
           </a:p>
@@ -863,7 +3831,7 @@
           <a:p>
             <a:fld id="{B6CC025B-9383-44F1-93B5-F19722BC5653}" type="datetimeFigureOut">
               <a:rPr lang="es-ES" smtClean="0"/>
-              <a:t>08/12/2025</a:t>
+              <a:t>12/12/2025</a:t>
             </a:fld>
             <a:endParaRPr lang="es-ES"/>
           </a:p>
@@ -1103,7 +4071,7 @@
           <a:p>
             <a:fld id="{B6CC025B-9383-44F1-93B5-F19722BC5653}" type="datetimeFigureOut">
               <a:rPr lang="es-ES" smtClean="0"/>
-              <a:t>08/12/2025</a:t>
+              <a:t>12/12/2025</a:t>
             </a:fld>
             <a:endParaRPr lang="es-ES"/>
           </a:p>
@@ -1410,7 +4378,7 @@
           <a:p>
             <a:fld id="{B6CC025B-9383-44F1-93B5-F19722BC5653}" type="datetimeFigureOut">
               <a:rPr lang="es-ES" smtClean="0"/>
-              <a:t>08/12/2025</a:t>
+              <a:t>12/12/2025</a:t>
             </a:fld>
             <a:endParaRPr lang="es-ES"/>
           </a:p>
@@ -1712,7 +4680,7 @@
           <a:p>
             <a:fld id="{B6CC025B-9383-44F1-93B5-F19722BC5653}" type="datetimeFigureOut">
               <a:rPr lang="es-ES" smtClean="0"/>
-              <a:t>08/12/2025</a:t>
+              <a:t>12/12/2025</a:t>
             </a:fld>
             <a:endParaRPr lang="es-ES"/>
           </a:p>
@@ -2134,7 +5102,7 @@
           <a:p>
             <a:fld id="{B6CC025B-9383-44F1-93B5-F19722BC5653}" type="datetimeFigureOut">
               <a:rPr lang="es-ES" smtClean="0"/>
-              <a:t>08/12/2025</a:t>
+              <a:t>12/12/2025</a:t>
             </a:fld>
             <a:endParaRPr lang="es-ES"/>
           </a:p>
@@ -2296,7 +5264,7 @@
           <a:p>
             <a:fld id="{B6CC025B-9383-44F1-93B5-F19722BC5653}" type="datetimeFigureOut">
               <a:rPr lang="es-ES" smtClean="0"/>
-              <a:t>08/12/2025</a:t>
+              <a:t>12/12/2025</a:t>
             </a:fld>
             <a:endParaRPr lang="es-ES"/>
           </a:p>
@@ -2391,7 +5359,7 @@
           <a:p>
             <a:fld id="{B6CC025B-9383-44F1-93B5-F19722BC5653}" type="datetimeFigureOut">
               <a:rPr lang="es-ES" smtClean="0"/>
-              <a:t>08/12/2025</a:t>
+              <a:t>12/12/2025</a:t>
             </a:fld>
             <a:endParaRPr lang="es-ES"/>
           </a:p>
@@ -2769,7 +5737,7 @@
           <a:p>
             <a:fld id="{B6CC025B-9383-44F1-93B5-F19722BC5653}" type="datetimeFigureOut">
               <a:rPr lang="es-ES" smtClean="0"/>
-              <a:t>08/12/2025</a:t>
+              <a:t>12/12/2025</a:t>
             </a:fld>
             <a:endParaRPr lang="es-ES"/>
           </a:p>
@@ -3058,7 +6026,7 @@
           <a:p>
             <a:fld id="{B6CC025B-9383-44F1-93B5-F19722BC5653}" type="datetimeFigureOut">
               <a:rPr lang="es-ES" smtClean="0"/>
-              <a:t>08/12/2025</a:t>
+              <a:t>12/12/2025</a:t>
             </a:fld>
             <a:endParaRPr lang="es-ES"/>
           </a:p>
@@ -3269,7 +6237,7 @@
           <a:p>
             <a:fld id="{B6CC025B-9383-44F1-93B5-F19722BC5653}" type="datetimeFigureOut">
               <a:rPr lang="es-ES" smtClean="0"/>
-              <a:t>08/12/2025</a:t>
+              <a:t>12/12/2025</a:t>
             </a:fld>
             <a:endParaRPr lang="es-ES"/>
           </a:p>
@@ -4148,7 +7116,7 @@
         <p:spPr>
           <a:xfrm>
             <a:off x="581192" y="2135434"/>
-            <a:ext cx="11029616" cy="3473291"/>
+            <a:ext cx="11029616" cy="4086225"/>
           </a:xfrm>
           <a:prstGeom prst="roundRect">
             <a:avLst/>
@@ -4194,7 +7162,27 @@
           <a:p>
             <a:r>
               <a:rPr lang="es-ES" dirty="0" smtClean="0"/>
-              <a:t>Se aprende con la exp como cambia constantemente todo, el mantenimiento que debe tener cualquier software es absurdo y que la actualización constante con mejoras/problemas nuevos sea demasiado habitual.</a:t>
+              <a:t>Se aprende con la exp como cambia constantemente todo, el mantenimiento que debe tener cualquier software es absurdo y que la actualización constante con mejoras/problemas nuevos sea demasiado habitual</a:t>
+            </a:r>
+            <a:r>
+              <a:rPr lang="es-ES" dirty="0" smtClean="0"/>
+              <a:t>.</a:t>
+            </a:r>
+          </a:p>
+          <a:p>
+            <a:endParaRPr lang="es-ES" dirty="0"/>
+          </a:p>
+          <a:p>
+            <a:pPr algn="ctr"/>
+            <a:r>
+              <a:rPr lang="es-ES" dirty="0" smtClean="0"/>
+              <a:t>Gracias por escucharme </a:t>
+            </a:r>
+            <a:r>
+              <a:rPr lang="es-ES" dirty="0" smtClean="0">
+                <a:sym typeface="Wingdings" panose="05000000000000000000" pitchFamily="2" charset="2"/>
+              </a:rPr>
+              <a:t></a:t>
             </a:r>
             <a:endParaRPr lang="es-ES" dirty="0"/>
           </a:p>
@@ -4467,11 +7455,7 @@
           <a:p>
             <a:r>
               <a:rPr lang="es-ES" dirty="0" smtClean="0"/>
-              <a:t>Tenía que combinar </a:t>
-            </a:r>
-            <a:r>
-              <a:rPr lang="es-ES" dirty="0" smtClean="0"/>
-              <a:t>una idea que me gustara con el desarrollo en Android con Compose </a:t>
+              <a:t>Tenía que combinar una idea que me gustara con el desarrollo en Android con Compose </a:t>
             </a:r>
             <a:endParaRPr lang="es-ES" dirty="0"/>
           </a:p>
@@ -4753,285 +7737,28 @@
           </a:p>
         </p:txBody>
       </p:sp>
-      <p:sp>
-        <p:nvSpPr>
-          <p:cNvPr id="6" name="CuadroTexto 5"/>
-          <p:cNvSpPr txBox="1"/>
-          <p:nvPr/>
-        </p:nvSpPr>
-        <p:spPr>
-          <a:xfrm>
-            <a:off x="581192" y="1977900"/>
-            <a:ext cx="11029616" cy="3166824"/>
-          </a:xfrm>
-          <a:prstGeom prst="roundRect">
-            <a:avLst/>
-          </a:prstGeom>
-        </p:spPr>
-        <p:style>
-          <a:lnRef idx="2">
-            <a:schemeClr val="accent2"/>
-          </a:lnRef>
-          <a:fillRef idx="1">
-            <a:schemeClr val="lt1"/>
-          </a:fillRef>
-          <a:effectRef idx="0">
-            <a:schemeClr val="accent2"/>
-          </a:effectRef>
-          <a:fontRef idx="minor">
-            <a:schemeClr val="dk1"/>
-          </a:fontRef>
-        </p:style>
-        <p:txBody>
-          <a:bodyPr wrap="square" rtlCol="0">
-            <a:spAutoFit/>
-          </a:bodyPr>
-          <a:lstStyle/>
-          <a:p>
-            <a:r>
-              <a:rPr lang="es-ES" dirty="0" smtClean="0"/>
-              <a:t>LA TECNOLOGÍA</a:t>
-            </a:r>
-          </a:p>
-          <a:p>
-            <a:endParaRPr lang="es-ES" dirty="0" smtClean="0"/>
-          </a:p>
-          <a:p>
-            <a:pPr marL="285750" indent="-285750">
-              <a:buFont typeface="Arial" panose="020B0604020202020204" pitchFamily="34" charset="0"/>
-              <a:buChar char="•"/>
-            </a:pPr>
-            <a:r>
-              <a:rPr lang="es-ES" dirty="0" smtClean="0"/>
-              <a:t>La </a:t>
-            </a:r>
-            <a:r>
-              <a:rPr lang="es-ES" b="1" dirty="0" smtClean="0"/>
-              <a:t>UI imperativa </a:t>
-            </a:r>
-            <a:r>
-              <a:rPr lang="es-ES" dirty="0" smtClean="0"/>
-              <a:t>de XML </a:t>
-            </a:r>
-            <a:r>
-              <a:rPr lang="es-ES" dirty="0" smtClean="0">
-                <a:sym typeface="Wingdings" panose="05000000000000000000" pitchFamily="2" charset="2"/>
-              </a:rPr>
-              <a:t> </a:t>
-            </a:r>
-            <a:r>
-              <a:rPr lang="es-ES" b="1" dirty="0" smtClean="0">
-                <a:sym typeface="Wingdings" panose="05000000000000000000" pitchFamily="2" charset="2"/>
-              </a:rPr>
-              <a:t>declarativa</a:t>
-            </a:r>
-            <a:r>
-              <a:rPr lang="es-ES" dirty="0" smtClean="0">
-                <a:sym typeface="Wingdings" panose="05000000000000000000" pitchFamily="2" charset="2"/>
-              </a:rPr>
-              <a:t> con Compose (unificado)</a:t>
-            </a:r>
-          </a:p>
-          <a:p>
-            <a:pPr marL="285750" indent="-285750">
-              <a:buFont typeface="Arial" panose="020B0604020202020204" pitchFamily="34" charset="0"/>
-              <a:buChar char="•"/>
-            </a:pPr>
-            <a:r>
-              <a:rPr lang="es-ES" dirty="0" err="1" smtClean="0">
-                <a:sym typeface="Wingdings" panose="05000000000000000000" pitchFamily="2" charset="2"/>
-              </a:rPr>
-              <a:t>Activities</a:t>
-            </a:r>
-            <a:r>
-              <a:rPr lang="es-ES" dirty="0" smtClean="0">
-                <a:sym typeface="Wingdings" panose="05000000000000000000" pitchFamily="2" charset="2"/>
-              </a:rPr>
-              <a:t>/</a:t>
-            </a:r>
-            <a:r>
-              <a:rPr lang="es-ES" dirty="0" err="1" smtClean="0">
-                <a:sym typeface="Wingdings" panose="05000000000000000000" pitchFamily="2" charset="2"/>
-              </a:rPr>
-              <a:t>Fragments</a:t>
-            </a:r>
-            <a:r>
-              <a:rPr lang="es-ES" dirty="0" smtClean="0">
-                <a:sym typeface="Wingdings" panose="05000000000000000000" pitchFamily="2" charset="2"/>
-              </a:rPr>
-              <a:t>  </a:t>
-            </a:r>
-            <a:r>
-              <a:rPr lang="es-ES" b="1" dirty="0" smtClean="0">
-                <a:sym typeface="Wingdings" panose="05000000000000000000" pitchFamily="2" charset="2"/>
-              </a:rPr>
-              <a:t>MVVM</a:t>
-            </a:r>
-          </a:p>
-          <a:p>
-            <a:pPr marL="285750" indent="-285750">
-              <a:buFont typeface="Arial" panose="020B0604020202020204" pitchFamily="34" charset="0"/>
-              <a:buChar char="•"/>
-            </a:pPr>
-            <a:r>
-              <a:rPr lang="es-ES" dirty="0" smtClean="0">
-                <a:sym typeface="Wingdings" panose="05000000000000000000" pitchFamily="2" charset="2"/>
-              </a:rPr>
-              <a:t>Referenciado de vistas  </a:t>
-            </a:r>
-            <a:r>
-              <a:rPr lang="es-ES" b="1" dirty="0" smtClean="0">
-                <a:sym typeface="Wingdings" panose="05000000000000000000" pitchFamily="2" charset="2"/>
-              </a:rPr>
-              <a:t>UI reactiva </a:t>
-            </a:r>
-            <a:r>
-              <a:rPr lang="es-ES" dirty="0" smtClean="0">
-                <a:sym typeface="Wingdings" panose="05000000000000000000" pitchFamily="2" charset="2"/>
-              </a:rPr>
-              <a:t>basada en estados</a:t>
-            </a:r>
-          </a:p>
-          <a:p>
-            <a:pPr marL="285750" indent="-285750">
-              <a:buFont typeface="Arial" panose="020B0604020202020204" pitchFamily="34" charset="0"/>
-              <a:buChar char="•"/>
-            </a:pPr>
-            <a:r>
-              <a:rPr lang="es-ES" b="1" dirty="0" err="1" smtClean="0">
-                <a:sym typeface="Wingdings" panose="05000000000000000000" pitchFamily="2" charset="2"/>
-              </a:rPr>
-              <a:t>Binding</a:t>
-            </a:r>
-            <a:r>
-              <a:rPr lang="es-ES" b="1" dirty="0" smtClean="0">
-                <a:sym typeface="Wingdings" panose="05000000000000000000" pitchFamily="2" charset="2"/>
-              </a:rPr>
-              <a:t> manual </a:t>
-            </a:r>
-            <a:r>
-              <a:rPr lang="es-ES" dirty="0" smtClean="0">
-                <a:sym typeface="Wingdings" panose="05000000000000000000" pitchFamily="2" charset="2"/>
-              </a:rPr>
-              <a:t> Código </a:t>
-            </a:r>
-            <a:r>
-              <a:rPr lang="es-ES" dirty="0" err="1" smtClean="0">
-                <a:sym typeface="Wingdings" panose="05000000000000000000" pitchFamily="2" charset="2"/>
-              </a:rPr>
-              <a:t>composable</a:t>
-            </a:r>
-            <a:endParaRPr lang="es-ES" dirty="0" smtClean="0">
-              <a:sym typeface="Wingdings" panose="05000000000000000000" pitchFamily="2" charset="2"/>
-            </a:endParaRPr>
-          </a:p>
-          <a:p>
-            <a:pPr marL="285750" indent="-285750">
-              <a:buFont typeface="Arial" panose="020B0604020202020204" pitchFamily="34" charset="0"/>
-              <a:buChar char="•"/>
-            </a:pPr>
-            <a:r>
-              <a:rPr lang="es-ES" dirty="0" smtClean="0">
-                <a:sym typeface="Wingdings" panose="05000000000000000000" pitchFamily="2" charset="2"/>
-              </a:rPr>
-              <a:t>Optimización manual  Compose optimiza auto.</a:t>
-            </a:r>
-          </a:p>
-          <a:p>
-            <a:pPr marL="285750" indent="-285750">
-              <a:buFont typeface="Arial" panose="020B0604020202020204" pitchFamily="34" charset="0"/>
-              <a:buChar char="•"/>
-            </a:pPr>
-            <a:r>
-              <a:rPr lang="es-ES" dirty="0" smtClean="0">
-                <a:sym typeface="Wingdings" panose="05000000000000000000" pitchFamily="2" charset="2"/>
-              </a:rPr>
-              <a:t>Mayor carga de animaciones  </a:t>
-            </a:r>
-            <a:r>
-              <a:rPr lang="es-ES" b="1" dirty="0" smtClean="0">
-                <a:sym typeface="Wingdings" panose="05000000000000000000" pitchFamily="2" charset="2"/>
-              </a:rPr>
-              <a:t>Animaciones más ligeras </a:t>
-            </a:r>
-            <a:r>
-              <a:rPr lang="es-ES" dirty="0" smtClean="0">
-                <a:sym typeface="Wingdings" panose="05000000000000000000" pitchFamily="2" charset="2"/>
-              </a:rPr>
-              <a:t>(Compose) </a:t>
-            </a:r>
-          </a:p>
-          <a:p>
-            <a:pPr marL="285750" indent="-285750">
-              <a:buFont typeface="Arial" panose="020B0604020202020204" pitchFamily="34" charset="0"/>
-              <a:buChar char="•"/>
-            </a:pPr>
-            <a:r>
-              <a:rPr lang="es-ES" b="1" dirty="0" err="1" smtClean="0"/>
-              <a:t>LiveData</a:t>
-            </a:r>
-            <a:r>
-              <a:rPr lang="es-ES" dirty="0" smtClean="0"/>
-              <a:t> </a:t>
-            </a:r>
-            <a:r>
-              <a:rPr lang="es-ES" dirty="0" smtClean="0">
-                <a:sym typeface="Wingdings" panose="05000000000000000000" pitchFamily="2" charset="2"/>
-              </a:rPr>
-              <a:t> Estados </a:t>
-            </a:r>
-            <a:r>
-              <a:rPr lang="es-ES" dirty="0" err="1" smtClean="0">
-                <a:sym typeface="Wingdings" panose="05000000000000000000" pitchFamily="2" charset="2"/>
-              </a:rPr>
-              <a:t>StateFlow</a:t>
-            </a:r>
-            <a:r>
-              <a:rPr lang="es-ES" dirty="0" smtClean="0">
-                <a:sym typeface="Wingdings" panose="05000000000000000000" pitchFamily="2" charset="2"/>
-              </a:rPr>
-              <a:t>, </a:t>
-            </a:r>
-            <a:r>
-              <a:rPr lang="es-ES" dirty="0" err="1" smtClean="0">
-                <a:sym typeface="Wingdings" panose="05000000000000000000" pitchFamily="2" charset="2"/>
-              </a:rPr>
-              <a:t>remenber</a:t>
-            </a:r>
-            <a:r>
-              <a:rPr lang="es-ES" dirty="0" smtClean="0">
-                <a:sym typeface="Wingdings" panose="05000000000000000000" pitchFamily="2" charset="2"/>
-              </a:rPr>
-              <a:t>, </a:t>
-            </a:r>
-            <a:r>
-              <a:rPr lang="es-ES" b="1" dirty="0" err="1" smtClean="0">
-                <a:sym typeface="Wingdings" panose="05000000000000000000" pitchFamily="2" charset="2"/>
-              </a:rPr>
-              <a:t>MutableState</a:t>
-            </a:r>
-            <a:r>
-              <a:rPr lang="es-ES" dirty="0" smtClean="0">
-                <a:sym typeface="Wingdings" panose="05000000000000000000" pitchFamily="2" charset="2"/>
-              </a:rPr>
-              <a:t>, </a:t>
-            </a:r>
-            <a:r>
-              <a:rPr lang="es-ES" dirty="0" err="1" smtClean="0">
-                <a:sym typeface="Wingdings" panose="05000000000000000000" pitchFamily="2" charset="2"/>
-              </a:rPr>
-              <a:t>MutableStateFlow</a:t>
-            </a:r>
-            <a:endParaRPr lang="es-ES" dirty="0" smtClean="0">
-              <a:sym typeface="Wingdings" panose="05000000000000000000" pitchFamily="2" charset="2"/>
-            </a:endParaRPr>
-          </a:p>
-          <a:p>
-            <a:pPr lvl="7"/>
-            <a:endParaRPr lang="es-ES" dirty="0"/>
-          </a:p>
-        </p:txBody>
-      </p:sp>
+      <p:graphicFrame>
+        <p:nvGraphicFramePr>
+          <p:cNvPr id="4" name="Diagrama 3"/>
+          <p:cNvGraphicFramePr/>
+          <p:nvPr>
+            <p:extLst>
+              <p:ext uri="{D42A27DB-BD31-4B8C-83A1-F6EECF244321}">
+                <p14:modId xmlns:p14="http://schemas.microsoft.com/office/powerpoint/2010/main" val="2123938071"/>
+              </p:ext>
+            </p:extLst>
+          </p:nvPr>
+        </p:nvGraphicFramePr>
+        <p:xfrm>
+          <a:off x="581192" y="1977900"/>
+          <a:ext cx="11029616" cy="3166824"/>
+        </p:xfrm>
+        <a:graphic>
+          <a:graphicData uri="http://schemas.openxmlformats.org/drawingml/2006/diagram">
+            <dgm:relIds xmlns:dgm="http://schemas.openxmlformats.org/drawingml/2006/diagram" xmlns:r="http://schemas.openxmlformats.org/officeDocument/2006/relationships" r:dm="rId2" r:lo="rId3" r:qs="rId4" r:cs="rId5"/>
+          </a:graphicData>
+        </a:graphic>
+      </p:graphicFrame>
       <p:pic>
         <p:nvPicPr>
           <p:cNvPr id="7" name="Imagen 6"/>
@@ -5041,7 +7768,7 @@
           <p:nvPr/>
         </p:nvPicPr>
         <p:blipFill>
-          <a:blip r:embed="rId2"/>
+          <a:blip r:embed="rId7"/>
           <a:stretch>
             <a:fillRect/>
           </a:stretch>
@@ -5073,14 +7800,14 @@
           <p:nvPr/>
         </p:nvPicPr>
         <p:blipFill>
-          <a:blip r:embed="rId3"/>
+          <a:blip r:embed="rId8"/>
           <a:stretch>
             <a:fillRect/>
           </a:stretch>
         </p:blipFill>
         <p:spPr>
           <a:xfrm rot="564400">
-            <a:off x="4288438" y="5204859"/>
+            <a:off x="4190298" y="5435720"/>
             <a:ext cx="3343275" cy="1266825"/>
           </a:xfrm>
           <a:prstGeom prst="rect">
@@ -5105,7 +7832,7 @@
           <p:nvPr/>
         </p:nvPicPr>
         <p:blipFill>
-          <a:blip r:embed="rId4"/>
+          <a:blip r:embed="rId9"/>
           <a:stretch>
             <a:fillRect/>
           </a:stretch>
@@ -5137,109 +7864,187 @@
       </p:pic>
       <p:sp>
         <p:nvSpPr>
-          <p:cNvPr id="10" name="Flecha doblada 9"/>
-          <p:cNvSpPr/>
+          <p:cNvPr id="11" name="CuadroTexto 10"/>
+          <p:cNvSpPr txBox="1"/>
           <p:nvPr/>
         </p:nvSpPr>
         <p:spPr>
-          <a:xfrm rot="18598643" flipV="1">
-            <a:off x="7772474" y="4212454"/>
-            <a:ext cx="1216713" cy="567538"/>
+          <a:xfrm>
+            <a:off x="10078089" y="3561312"/>
+            <a:ext cx="1770696" cy="1055608"/>
           </a:xfrm>
-          <a:prstGeom prst="bentArrow">
-            <a:avLst>
-              <a:gd name="adj1" fmla="val 25000"/>
-              <a:gd name="adj2" fmla="val 25000"/>
-              <a:gd name="adj3" fmla="val 20445"/>
-              <a:gd name="adj4" fmla="val 43750"/>
-            </a:avLst>
+          <a:prstGeom prst="roundRect">
+            <a:avLst/>
+          </a:prstGeom>
+          <a:solidFill>
+            <a:srgbClr val="92D050"/>
+          </a:solidFill>
+        </p:spPr>
+        <p:style>
+          <a:lnRef idx="1">
+            <a:schemeClr val="dk1"/>
+          </a:lnRef>
+          <a:fillRef idx="2">
+            <a:schemeClr val="dk1"/>
+          </a:fillRef>
+          <a:effectRef idx="1">
+            <a:schemeClr val="dk1"/>
+          </a:effectRef>
+          <a:fontRef idx="minor">
+            <a:schemeClr val="dk1"/>
+          </a:fontRef>
+        </p:style>
+        <p:txBody>
+          <a:bodyPr wrap="square" rtlCol="0">
+            <a:spAutoFit/>
+          </a:bodyPr>
+          <a:lstStyle/>
+          <a:p>
+            <a:pPr marL="285750" indent="-285750">
+              <a:buFont typeface="Arial" panose="020B0604020202020204" pitchFamily="34" charset="0"/>
+              <a:buChar char="•"/>
+            </a:pPr>
+            <a:r>
+              <a:rPr lang="es-ES" sz="1400" dirty="0" smtClean="0"/>
+              <a:t>Flujo Asíncrono</a:t>
+            </a:r>
+          </a:p>
+          <a:p>
+            <a:pPr marL="285750" indent="-285750">
+              <a:buFont typeface="Arial" panose="020B0604020202020204" pitchFamily="34" charset="0"/>
+              <a:buChar char="•"/>
+            </a:pPr>
+            <a:r>
+              <a:rPr lang="es-ES" sz="1400" dirty="0" smtClean="0"/>
+              <a:t>Emite estados</a:t>
+            </a:r>
+          </a:p>
+          <a:p>
+            <a:pPr marL="285750" indent="-285750">
+              <a:buFont typeface="Arial" panose="020B0604020202020204" pitchFamily="34" charset="0"/>
+              <a:buChar char="•"/>
+            </a:pPr>
+            <a:r>
+              <a:rPr lang="es-ES" sz="1400" dirty="0" smtClean="0"/>
+              <a:t>UI observando</a:t>
+            </a:r>
+          </a:p>
+          <a:p>
+            <a:endParaRPr lang="es-ES" sz="1400" dirty="0"/>
+          </a:p>
+        </p:txBody>
+      </p:sp>
+      <p:sp>
+        <p:nvSpPr>
+          <p:cNvPr id="3" name="CuadroTexto 2"/>
+          <p:cNvSpPr txBox="1"/>
+          <p:nvPr/>
+        </p:nvSpPr>
+        <p:spPr>
+          <a:xfrm>
+            <a:off x="9214741" y="2267341"/>
+            <a:ext cx="2877691" cy="1293971"/>
+          </a:xfrm>
+          <a:prstGeom prst="roundRect">
+            <a:avLst/>
           </a:prstGeom>
         </p:spPr>
         <p:style>
-          <a:lnRef idx="2">
-            <a:schemeClr val="accent1">
-              <a:shade val="50000"/>
-            </a:schemeClr>
+          <a:lnRef idx="1">
+            <a:schemeClr val="accent3"/>
           </a:lnRef>
-          <a:fillRef idx="1">
-            <a:schemeClr val="accent1"/>
+          <a:fillRef idx="2">
+            <a:schemeClr val="accent3"/>
           </a:fillRef>
-          <a:effectRef idx="0">
-            <a:schemeClr val="accent1"/>
+          <a:effectRef idx="1">
+            <a:schemeClr val="accent3"/>
           </a:effectRef>
           <a:fontRef idx="minor">
-            <a:schemeClr val="lt1"/>
+            <a:schemeClr val="dk1"/>
           </a:fontRef>
         </p:style>
         <p:txBody>
-          <a:bodyPr rtlCol="0" anchor="ctr"/>
+          <a:bodyPr wrap="square" rtlCol="0">
+            <a:spAutoFit/>
+          </a:bodyPr>
           <a:lstStyle/>
           <a:p>
-            <a:pPr algn="ctr"/>
-            <a:endParaRPr lang="es-ES">
-              <a:solidFill>
-                <a:schemeClr val="tx1"/>
-              </a:solidFill>
-            </a:endParaRPr>
-          </a:p>
-        </p:txBody>
-      </p:sp>
-      <p:sp>
-        <p:nvSpPr>
-          <p:cNvPr id="11" name="CuadroTexto 10"/>
-          <p:cNvSpPr txBox="1"/>
+            <a:pPr marL="285750" indent="-285750">
+              <a:buFont typeface="Arial" panose="020B0604020202020204" pitchFamily="34" charset="0"/>
+              <a:buChar char="•"/>
+            </a:pPr>
+            <a:r>
+              <a:rPr lang="es-ES" sz="1400" dirty="0" smtClean="0"/>
+              <a:t>UI estática y modificación manual</a:t>
+            </a:r>
+          </a:p>
+          <a:p>
+            <a:pPr marL="285750" indent="-285750">
+              <a:buFont typeface="Arial" panose="020B0604020202020204" pitchFamily="34" charset="0"/>
+              <a:buChar char="•"/>
+            </a:pPr>
+            <a:r>
+              <a:rPr lang="es-ES" sz="1400" dirty="0"/>
+              <a:t>L</a:t>
+            </a:r>
+            <a:r>
+              <a:rPr lang="es-ES" sz="1400" dirty="0" smtClean="0"/>
+              <a:t>ayouts más pesados</a:t>
+            </a:r>
+          </a:p>
+          <a:p>
+            <a:pPr marL="285750" indent="-285750">
+              <a:buFont typeface="Arial" panose="020B0604020202020204" pitchFamily="34" charset="0"/>
+              <a:buChar char="•"/>
+            </a:pPr>
+            <a:r>
+              <a:rPr lang="es-ES" sz="1400" dirty="0" smtClean="0"/>
+              <a:t>Mas difícil manejar estados</a:t>
+            </a:r>
+          </a:p>
+          <a:p>
+            <a:pPr marL="285750" indent="-285750">
+              <a:buFont typeface="Arial" panose="020B0604020202020204" pitchFamily="34" charset="0"/>
+              <a:buChar char="•"/>
+            </a:pPr>
+            <a:r>
+              <a:rPr lang="es-ES" sz="1400" dirty="0" smtClean="0"/>
+              <a:t>Inflado de vistas</a:t>
+            </a:r>
+            <a:endParaRPr lang="es-ES" sz="1400" dirty="0"/>
+          </a:p>
+        </p:txBody>
+      </p:sp>
+      <p:pic>
+        <p:nvPicPr>
+          <p:cNvPr id="5" name="Imagen 4"/>
+          <p:cNvPicPr>
+            <a:picLocks noChangeAspect="1"/>
+          </p:cNvPicPr>
           <p:nvPr/>
-        </p:nvSpPr>
+        </p:nvPicPr>
+        <p:blipFill>
+          <a:blip r:embed="rId10"/>
+          <a:stretch>
+            <a:fillRect/>
+          </a:stretch>
+        </p:blipFill>
         <p:spPr>
-          <a:xfrm>
-            <a:off x="8831888" y="3201950"/>
-            <a:ext cx="1931939" cy="1200329"/>
+          <a:xfrm rot="637311">
+            <a:off x="3453265" y="4897074"/>
+            <a:ext cx="3571875" cy="495300"/>
           </a:xfrm>
           <a:prstGeom prst="rect">
             <a:avLst/>
           </a:prstGeom>
-          <a:noFill/>
+          <a:ln>
+            <a:noFill/>
+          </a:ln>
+          <a:effectLst>
+            <a:softEdge rad="112500"/>
+          </a:effectLst>
         </p:spPr>
-        <p:txBody>
-          <a:bodyPr wrap="none" rtlCol="0">
-            <a:spAutoFit/>
-          </a:bodyPr>
-          <a:lstStyle/>
-          <a:p>
-            <a:pPr marL="285750" indent="-285750">
-              <a:buFont typeface="Arial" panose="020B0604020202020204" pitchFamily="34" charset="0"/>
-              <a:buChar char="•"/>
-            </a:pPr>
-            <a:r>
-              <a:rPr lang="es-ES" dirty="0" smtClean="0"/>
-              <a:t>Flujo Asíncrono</a:t>
-            </a:r>
-          </a:p>
-          <a:p>
-            <a:pPr marL="285750" indent="-285750">
-              <a:buFont typeface="Arial" panose="020B0604020202020204" pitchFamily="34" charset="0"/>
-              <a:buChar char="•"/>
-            </a:pPr>
-            <a:r>
-              <a:rPr lang="es-ES" dirty="0" smtClean="0"/>
-              <a:t>Emite estados</a:t>
-            </a:r>
-          </a:p>
-          <a:p>
-            <a:pPr marL="285750" indent="-285750">
-              <a:buFont typeface="Arial" panose="020B0604020202020204" pitchFamily="34" charset="0"/>
-              <a:buChar char="•"/>
-            </a:pPr>
-            <a:r>
-              <a:rPr lang="es-ES" dirty="0" smtClean="0"/>
-              <a:t>UI observando</a:t>
-            </a:r>
-          </a:p>
-          <a:p>
-            <a:endParaRPr lang="es-ES" dirty="0"/>
-          </a:p>
-        </p:txBody>
-      </p:sp>
+      </p:pic>
     </p:spTree>
     <p:extLst>
       <p:ext uri="{BB962C8B-B14F-4D97-AF65-F5344CB8AC3E}">
@@ -5279,51 +8084,6 @@
                                     <p:set>
                                       <p:cBhvr>
                                         <p:cTn id="6" dur="1" fill="hold">
-                                          <p:stCondLst>
-                                            <p:cond delay="0"/>
-                                          </p:stCondLst>
-                                        </p:cTn>
-                                        <p:tgtEl>
-                                          <p:spTgt spid="10"/>
-                                        </p:tgtEl>
-                                        <p:attrNameLst>
-                                          <p:attrName>style.visibility</p:attrName>
-                                        </p:attrNameLst>
-                                      </p:cBhvr>
-                                      <p:to>
-                                        <p:strVal val="visible"/>
-                                      </p:to>
-                                    </p:set>
-                                  </p:childTnLst>
-                                </p:cTn>
-                              </p:par>
-                            </p:childTnLst>
-                          </p:cTn>
-                        </p:par>
-                      </p:childTnLst>
-                    </p:cTn>
-                  </p:par>
-                  <p:par>
-                    <p:cTn id="7" fill="hold">
-                      <p:stCondLst>
-                        <p:cond delay="indefinite"/>
-                      </p:stCondLst>
-                      <p:childTnLst>
-                        <p:par>
-                          <p:cTn id="8" fill="hold">
-                            <p:stCondLst>
-                              <p:cond delay="0"/>
-                            </p:stCondLst>
-                            <p:childTnLst>
-                              <p:par>
-                                <p:cTn id="9" presetID="1" presetClass="entr" presetSubtype="0" fill="hold" grpId="0" nodeType="clickEffect">
-                                  <p:stCondLst>
-                                    <p:cond delay="0"/>
-                                  </p:stCondLst>
-                                  <p:childTnLst>
-                                    <p:set>
-                                      <p:cBhvr>
-                                        <p:cTn id="10" dur="1" fill="hold">
                                           <p:stCondLst>
                                             <p:cond delay="0"/>
                                           </p:stCondLst>
@@ -5370,8 +8130,7 @@
       </p:par>
     </p:tnLst>
     <p:bldLst>
-      <p:bldP spid="10" grpId="0" animBg="1"/>
-      <p:bldP spid="11" grpId="0"/>
+      <p:bldP spid="11" grpId="0" animBg="1"/>
     </p:bldLst>
   </p:timing>
 </p:sld>
@@ -5697,7 +8456,7 @@
                   </a:schemeClr>
                 </a:solidFill>
               </a:rPr>
-              <a:t> más complicadas de mantener y expandir</a:t>
+              <a:t> más complejas de mantener y actualizar</a:t>
             </a:r>
           </a:p>
         </p:txBody>
@@ -5710,7 +8469,7 @@
         </p:nvSpPr>
         <p:spPr>
           <a:xfrm>
-            <a:off x="2144108" y="4468438"/>
+            <a:off x="2144108" y="4469160"/>
             <a:ext cx="3125835" cy="715089"/>
           </a:xfrm>
           <a:prstGeom prst="roundRect">
@@ -5803,7 +8562,7 @@
                   </a:schemeClr>
                 </a:solidFill>
               </a:rPr>
-              <a:t>Plataformas grandes vs </a:t>
+              <a:t>Plataforma grande vs </a:t>
             </a:r>
             <a:r>
               <a:rPr lang="es-ES" dirty="0" err="1" smtClean="0">
@@ -5814,7 +8573,7 @@
                   </a:schemeClr>
                 </a:solidFill>
               </a:rPr>
-              <a:t>indies</a:t>
+              <a:t>indie</a:t>
             </a:r>
             <a:endParaRPr lang="es-ES" b="1" dirty="0" smtClean="0">
               <a:solidFill>
@@ -5824,6 +8583,55 @@
                 </a:schemeClr>
               </a:solidFill>
             </a:endParaRPr>
+          </a:p>
+        </p:txBody>
+      </p:sp>
+      <p:sp>
+        <p:nvSpPr>
+          <p:cNvPr id="9" name="CuadroTexto 8"/>
+          <p:cNvSpPr txBox="1"/>
+          <p:nvPr/>
+        </p:nvSpPr>
+        <p:spPr>
+          <a:xfrm>
+            <a:off x="4405395" y="5539294"/>
+            <a:ext cx="3125835" cy="715089"/>
+          </a:xfrm>
+          <a:prstGeom prst="roundRect">
+            <a:avLst/>
+          </a:prstGeom>
+        </p:spPr>
+        <p:style>
+          <a:lnRef idx="2">
+            <a:schemeClr val="accent2"/>
+          </a:lnRef>
+          <a:fillRef idx="1">
+            <a:schemeClr val="lt1"/>
+          </a:fillRef>
+          <a:effectRef idx="0">
+            <a:schemeClr val="accent2"/>
+          </a:effectRef>
+          <a:fontRef idx="minor">
+            <a:schemeClr val="dk1"/>
+          </a:fontRef>
+        </p:style>
+        <p:txBody>
+          <a:bodyPr wrap="square" rtlCol="0">
+            <a:spAutoFit/>
+          </a:bodyPr>
+          <a:lstStyle/>
+          <a:p>
+            <a:r>
+              <a:rPr lang="es-ES" dirty="0" smtClean="0">
+                <a:solidFill>
+                  <a:schemeClr val="tx1">
+                    <a:lumMod val="95000"/>
+                    <a:lumOff val="5000"/>
+                  </a:schemeClr>
+                </a:solidFill>
+              </a:rPr>
+              <a:t>Se continua usando el viejo XML </a:t>
+            </a:r>
           </a:p>
         </p:txBody>
       </p:sp>
@@ -5932,29 +8740,7 @@
                   </a:schemeClr>
                 </a:solidFill>
               </a:rPr>
-              <a:t>UI declarativa con </a:t>
-            </a:r>
-            <a:r>
-              <a:rPr lang="es-ES" dirty="0" err="1" smtClean="0">
-                <a:solidFill>
-                  <a:schemeClr val="tx1">
-                    <a:lumMod val="95000"/>
-                    <a:lumOff val="5000"/>
-                  </a:schemeClr>
-                </a:solidFill>
-              </a:rPr>
-              <a:t>kotlin</a:t>
-            </a:r>
-            <a:r>
-              <a:rPr lang="es-ES" dirty="0" smtClean="0">
-                <a:solidFill>
-                  <a:schemeClr val="tx1">
-                    <a:lumMod val="95000"/>
-                    <a:lumOff val="5000"/>
-                  </a:schemeClr>
-                </a:solidFill>
-              </a:rPr>
-              <a:t> frente al XML aprendido en clase</a:t>
+              <a:t>UI declarativa con Kotlin frente al XML aprendido en clase</a:t>
             </a:r>
           </a:p>
         </p:txBody>
@@ -6928,7 +9714,6 @@
               <a:rPr lang="es-ES" dirty="0"/>
               <a:t>Probaremos el funcionamiento de la App</a:t>
             </a:r>
-            <a:endParaRPr lang="es-ES" dirty="0"/>
           </a:p>
         </p:txBody>
       </p:sp>
